--- a/003_poster/Invasive_Species_V030219.pptx
+++ b/003_poster/Invasive_Species_V030219.pptx
@@ -287,11 +287,11 @@
           <c:showBubbleSize val="0"/>
         </c:dLbls>
         <c:smooth val="0"/>
-        <c:axId val="-1681367040"/>
-        <c:axId val="-1681366496"/>
+        <c:axId val="-458432496"/>
+        <c:axId val="-458437392"/>
       </c:lineChart>
       <c:catAx>
-        <c:axId val="-1681367040"/>
+        <c:axId val="-458432496"/>
         <c:scaling>
           <c:orientation val="minMax"/>
         </c:scaling>
@@ -333,7 +333,7 @@
             <a:endParaRPr lang="de-DE"/>
           </a:p>
         </c:txPr>
-        <c:crossAx val="-1681366496"/>
+        <c:crossAx val="-458437392"/>
         <c:crosses val="autoZero"/>
         <c:auto val="1"/>
         <c:lblAlgn val="ctr"/>
@@ -341,7 +341,7 @@
         <c:noMultiLvlLbl val="0"/>
       </c:catAx>
       <c:valAx>
-        <c:axId val="-1681366496"/>
+        <c:axId val="-458437392"/>
         <c:scaling>
           <c:orientation val="minMax"/>
         </c:scaling>
@@ -391,7 +391,7 @@
             <a:endParaRPr lang="de-DE"/>
           </a:p>
         </c:txPr>
-        <c:crossAx val="-1681367040"/>
+        <c:crossAx val="-458432496"/>
         <c:crosses val="autoZero"/>
         <c:crossBetween val="between"/>
       </c:valAx>
@@ -942,11 +942,11 @@
           <c:showBubbleSize val="0"/>
         </c:dLbls>
         <c:smooth val="0"/>
-        <c:axId val="-1683178448"/>
-        <c:axId val="-1683170832"/>
+        <c:axId val="-458431952"/>
+        <c:axId val="-458435760"/>
       </c:lineChart>
       <c:catAx>
-        <c:axId val="-1683178448"/>
+        <c:axId val="-458431952"/>
         <c:scaling>
           <c:orientation val="minMax"/>
         </c:scaling>
@@ -988,7 +988,7 @@
             <a:endParaRPr lang="de-DE"/>
           </a:p>
         </c:txPr>
-        <c:crossAx val="-1683170832"/>
+        <c:crossAx val="-458435760"/>
         <c:crosses val="autoZero"/>
         <c:auto val="1"/>
         <c:lblAlgn val="ctr"/>
@@ -998,7 +998,7 @@
         <c:noMultiLvlLbl val="0"/>
       </c:catAx>
       <c:valAx>
-        <c:axId val="-1683170832"/>
+        <c:axId val="-458435760"/>
         <c:scaling>
           <c:orientation val="minMax"/>
         </c:scaling>
@@ -1048,7 +1048,7 @@
             <a:endParaRPr lang="de-DE"/>
           </a:p>
         </c:txPr>
-        <c:crossAx val="-1683178448"/>
+        <c:crossAx val="-458431952"/>
         <c:crosses val="autoZero"/>
         <c:crossBetween val="between"/>
       </c:valAx>
@@ -1559,11 +1559,11 @@
           <c:showBubbleSize val="0"/>
         </c:dLbls>
         <c:smooth val="0"/>
-        <c:axId val="-1683177904"/>
-        <c:axId val="-1683173008"/>
+        <c:axId val="-458435216"/>
+        <c:axId val="-458433584"/>
       </c:lineChart>
       <c:catAx>
-        <c:axId val="-1683177904"/>
+        <c:axId val="-458435216"/>
         <c:scaling>
           <c:orientation val="minMax"/>
         </c:scaling>
@@ -1605,7 +1605,7 @@
             <a:endParaRPr lang="de-DE"/>
           </a:p>
         </c:txPr>
-        <c:crossAx val="-1683173008"/>
+        <c:crossAx val="-458433584"/>
         <c:crosses val="autoZero"/>
         <c:auto val="1"/>
         <c:lblAlgn val="ctr"/>
@@ -1615,7 +1615,7 @@
         <c:noMultiLvlLbl val="0"/>
       </c:catAx>
       <c:valAx>
-        <c:axId val="-1683173008"/>
+        <c:axId val="-458433584"/>
         <c:scaling>
           <c:orientation val="minMax"/>
           <c:max val="4500000000"/>
@@ -1667,7 +1667,7 @@
             <a:endParaRPr lang="de-DE"/>
           </a:p>
         </c:txPr>
-        <c:crossAx val="-1683177904"/>
+        <c:crossAx val="-458435216"/>
         <c:crosses val="autoZero"/>
         <c:crossBetween val="between"/>
         <c:dispUnits>
@@ -7363,21 +7363,28 @@
                 <a:latin typeface="Arial" panose="020B0604020202020204" pitchFamily="34" charset="0"/>
                 <a:cs typeface="Arial" panose="020B0604020202020204" pitchFamily="34" charset="0"/>
               </a:rPr>
-              <a:t> (TEU) </a:t>
+              <a:t> (TEU) in 1956. This, </a:t>
+            </a:r>
+            <a:r>
+              <a:rPr lang="de-DE" sz="2800" dirty="0" err="1" smtClean="0">
+                <a:latin typeface="Arial" panose="020B0604020202020204" pitchFamily="34" charset="0"/>
+                <a:cs typeface="Arial" panose="020B0604020202020204" pitchFamily="34" charset="0"/>
+              </a:rPr>
+              <a:t>and</a:t>
             </a:r>
             <a:r>
               <a:rPr lang="de-DE" sz="2800" dirty="0" smtClean="0">
                 <a:latin typeface="Arial" panose="020B0604020202020204" pitchFamily="34" charset="0"/>
                 <a:cs typeface="Arial" panose="020B0604020202020204" pitchFamily="34" charset="0"/>
               </a:rPr>
-              <a:t>in 1956. This, </a:t>
+              <a:t> </a:t>
             </a:r>
             <a:r>
               <a:rPr lang="de-DE" sz="2800" dirty="0" err="1" smtClean="0">
                 <a:latin typeface="Arial" panose="020B0604020202020204" pitchFamily="34" charset="0"/>
                 <a:cs typeface="Arial" panose="020B0604020202020204" pitchFamily="34" charset="0"/>
               </a:rPr>
-              <a:t>and</a:t>
+              <a:t>great</a:t>
             </a:r>
             <a:r>
               <a:rPr lang="de-DE" sz="2800" dirty="0" smtClean="0">
@@ -7391,35 +7398,35 @@
                 <a:latin typeface="Arial" panose="020B0604020202020204" pitchFamily="34" charset="0"/>
                 <a:cs typeface="Arial" panose="020B0604020202020204" pitchFamily="34" charset="0"/>
               </a:rPr>
-              <a:t>great</a:t>
+              <a:t>improvements</a:t>
             </a:r>
             <a:r>
               <a:rPr lang="de-DE" sz="2800" dirty="0" smtClean="0">
                 <a:latin typeface="Arial" panose="020B0604020202020204" pitchFamily="34" charset="0"/>
                 <a:cs typeface="Arial" panose="020B0604020202020204" pitchFamily="34" charset="0"/>
               </a:rPr>
-              <a:t> </a:t>
+              <a:t> in </a:t>
             </a:r>
             <a:r>
               <a:rPr lang="de-DE" sz="2800" dirty="0" err="1" smtClean="0">
                 <a:latin typeface="Arial" panose="020B0604020202020204" pitchFamily="34" charset="0"/>
                 <a:cs typeface="Arial" panose="020B0604020202020204" pitchFamily="34" charset="0"/>
               </a:rPr>
-              <a:t>improvements</a:t>
+              <a:t>mechanical</a:t>
             </a:r>
             <a:r>
               <a:rPr lang="de-DE" sz="2800" dirty="0" smtClean="0">
                 <a:latin typeface="Arial" panose="020B0604020202020204" pitchFamily="34" charset="0"/>
                 <a:cs typeface="Arial" panose="020B0604020202020204" pitchFamily="34" charset="0"/>
               </a:rPr>
-              <a:t> in </a:t>
+              <a:t> </a:t>
             </a:r>
             <a:r>
               <a:rPr lang="de-DE" sz="2800" dirty="0" err="1" smtClean="0">
                 <a:latin typeface="Arial" panose="020B0604020202020204" pitchFamily="34" charset="0"/>
                 <a:cs typeface="Arial" panose="020B0604020202020204" pitchFamily="34" charset="0"/>
               </a:rPr>
-              <a:t>mechanical</a:t>
+              <a:t>engineering</a:t>
             </a:r>
             <a:r>
               <a:rPr lang="de-DE" sz="2800" dirty="0" smtClean="0">
@@ -7433,7 +7440,7 @@
                 <a:latin typeface="Arial" panose="020B0604020202020204" pitchFamily="34" charset="0"/>
                 <a:cs typeface="Arial" panose="020B0604020202020204" pitchFamily="34" charset="0"/>
               </a:rPr>
-              <a:t>engineering</a:t>
+              <a:t>has</a:t>
             </a:r>
             <a:r>
               <a:rPr lang="de-DE" sz="2800" dirty="0" smtClean="0">
@@ -7447,7 +7454,7 @@
                 <a:latin typeface="Arial" panose="020B0604020202020204" pitchFamily="34" charset="0"/>
                 <a:cs typeface="Arial" panose="020B0604020202020204" pitchFamily="34" charset="0"/>
               </a:rPr>
-              <a:t>has</a:t>
+              <a:t>led</a:t>
             </a:r>
             <a:r>
               <a:rPr lang="de-DE" sz="2800" dirty="0" smtClean="0">
@@ -7461,7 +7468,7 @@
                 <a:latin typeface="Arial" panose="020B0604020202020204" pitchFamily="34" charset="0"/>
                 <a:cs typeface="Arial" panose="020B0604020202020204" pitchFamily="34" charset="0"/>
               </a:rPr>
-              <a:t>led</a:t>
+              <a:t>to</a:t>
             </a:r>
             <a:r>
               <a:rPr lang="de-DE" sz="2800" dirty="0" smtClean="0">
@@ -7475,7 +7482,7 @@
                 <a:latin typeface="Arial" panose="020B0604020202020204" pitchFamily="34" charset="0"/>
                 <a:cs typeface="Arial" panose="020B0604020202020204" pitchFamily="34" charset="0"/>
               </a:rPr>
-              <a:t>to</a:t>
+              <a:t>enourmous</a:t>
             </a:r>
             <a:r>
               <a:rPr lang="de-DE" sz="2800" dirty="0" smtClean="0">
@@ -7489,7 +7496,7 @@
                 <a:latin typeface="Arial" panose="020B0604020202020204" pitchFamily="34" charset="0"/>
                 <a:cs typeface="Arial" panose="020B0604020202020204" pitchFamily="34" charset="0"/>
               </a:rPr>
-              <a:t>enourmous</a:t>
+              <a:t>transport</a:t>
             </a:r>
             <a:r>
               <a:rPr lang="de-DE" sz="2800" dirty="0" smtClean="0">
@@ -7503,47 +7510,29 @@
                 <a:latin typeface="Arial" panose="020B0604020202020204" pitchFamily="34" charset="0"/>
                 <a:cs typeface="Arial" panose="020B0604020202020204" pitchFamily="34" charset="0"/>
               </a:rPr>
-              <a:t>transport</a:t>
+              <a:t>capacitys</a:t>
             </a:r>
             <a:r>
               <a:rPr lang="de-DE" sz="2800" dirty="0" smtClean="0">
                 <a:latin typeface="Arial" panose="020B0604020202020204" pitchFamily="34" charset="0"/>
                 <a:cs typeface="Arial" panose="020B0604020202020204" pitchFamily="34" charset="0"/>
               </a:rPr>
-              <a:t> </a:t>
+              <a:t> per </a:t>
             </a:r>
             <a:r>
               <a:rPr lang="de-DE" sz="2800" dirty="0" err="1" smtClean="0">
                 <a:latin typeface="Arial" panose="020B0604020202020204" pitchFamily="34" charset="0"/>
                 <a:cs typeface="Arial" panose="020B0604020202020204" pitchFamily="34" charset="0"/>
               </a:rPr>
-              <a:t>capacitys</a:t>
+              <a:t>ship</a:t>
             </a:r>
             <a:r>
               <a:rPr lang="de-DE" sz="2800" dirty="0" smtClean="0">
                 <a:latin typeface="Arial" panose="020B0604020202020204" pitchFamily="34" charset="0"/>
                 <a:cs typeface="Arial" panose="020B0604020202020204" pitchFamily="34" charset="0"/>
               </a:rPr>
-              <a:t> per </a:t>
-            </a:r>
-            <a:r>
-              <a:rPr lang="de-DE" sz="2800" dirty="0" err="1" smtClean="0">
-                <a:latin typeface="Arial" panose="020B0604020202020204" pitchFamily="34" charset="0"/>
-                <a:cs typeface="Arial" panose="020B0604020202020204" pitchFamily="34" charset="0"/>
-              </a:rPr>
-              <a:t>ship</a:t>
-            </a:r>
-            <a:r>
-              <a:rPr lang="de-DE" sz="2800" dirty="0" smtClean="0">
-                <a:latin typeface="Arial" panose="020B0604020202020204" pitchFamily="34" charset="0"/>
-                <a:cs typeface="Arial" panose="020B0604020202020204" pitchFamily="34" charset="0"/>
-              </a:rPr>
               <a:t>.</a:t>
             </a:r>
-            <a:endParaRPr lang="de-DE" sz="2800" dirty="0" smtClean="0">
-              <a:latin typeface="Arial" panose="020B0604020202020204" pitchFamily="34" charset="0"/>
-              <a:cs typeface="Arial" panose="020B0604020202020204" pitchFamily="34" charset="0"/>
-            </a:endParaRPr>
           </a:p>
         </p:txBody>
       </p:sp>
@@ -7723,183 +7712,324 @@
                 <a:latin typeface="Arial" panose="020B0604020202020204" pitchFamily="34" charset="0"/>
                 <a:cs typeface="Arial" panose="020B0604020202020204" pitchFamily="34" charset="0"/>
               </a:rPr>
+              <a:t>. </a:t>
+            </a:r>
+            <a:r>
+              <a:rPr lang="de-DE" sz="2800" dirty="0" err="1" smtClean="0">
+                <a:latin typeface="Arial" panose="020B0604020202020204" pitchFamily="34" charset="0"/>
+                <a:cs typeface="Arial" panose="020B0604020202020204" pitchFamily="34" charset="0"/>
+              </a:rPr>
+              <a:t>About</a:t>
+            </a:r>
+            <a:r>
+              <a:rPr lang="de-DE" sz="2800" dirty="0" smtClean="0">
+                <a:latin typeface="Arial" panose="020B0604020202020204" pitchFamily="34" charset="0"/>
+                <a:cs typeface="Arial" panose="020B0604020202020204" pitchFamily="34" charset="0"/>
+              </a:rPr>
+              <a:t> </a:t>
+            </a:r>
+            <a:r>
+              <a:rPr lang="de-DE" sz="2800" dirty="0" smtClean="0">
+                <a:latin typeface="Arial" panose="020B0604020202020204" pitchFamily="34" charset="0"/>
+                <a:cs typeface="Arial" panose="020B0604020202020204" pitchFamily="34" charset="0"/>
+              </a:rPr>
+              <a:t>90% </a:t>
+            </a:r>
+            <a:r>
+              <a:rPr lang="de-DE" sz="2800" dirty="0" err="1" smtClean="0">
+                <a:latin typeface="Arial" panose="020B0604020202020204" pitchFamily="34" charset="0"/>
+                <a:cs typeface="Arial" panose="020B0604020202020204" pitchFamily="34" charset="0"/>
+              </a:rPr>
+              <a:t>of</a:t>
+            </a:r>
+            <a:r>
+              <a:rPr lang="de-DE" sz="2800" dirty="0" smtClean="0">
+                <a:latin typeface="Arial" panose="020B0604020202020204" pitchFamily="34" charset="0"/>
+                <a:cs typeface="Arial" panose="020B0604020202020204" pitchFamily="34" charset="0"/>
+              </a:rPr>
+              <a:t> total </a:t>
+            </a:r>
+            <a:r>
+              <a:rPr lang="de-DE" sz="2800" dirty="0" err="1" smtClean="0">
+                <a:latin typeface="Arial" panose="020B0604020202020204" pitchFamily="34" charset="0"/>
+                <a:cs typeface="Arial" panose="020B0604020202020204" pitchFamily="34" charset="0"/>
+              </a:rPr>
+              <a:t>world</a:t>
+            </a:r>
+            <a:r>
+              <a:rPr lang="de-DE" sz="2800" dirty="0" smtClean="0">
+                <a:latin typeface="Arial" panose="020B0604020202020204" pitchFamily="34" charset="0"/>
+                <a:cs typeface="Arial" panose="020B0604020202020204" pitchFamily="34" charset="0"/>
+              </a:rPr>
+              <a:t> </a:t>
+            </a:r>
+            <a:r>
+              <a:rPr lang="de-DE" sz="2800" dirty="0" err="1" smtClean="0">
+                <a:latin typeface="Arial" panose="020B0604020202020204" pitchFamily="34" charset="0"/>
+                <a:cs typeface="Arial" panose="020B0604020202020204" pitchFamily="34" charset="0"/>
+              </a:rPr>
+              <a:t>trade</a:t>
+            </a:r>
+            <a:r>
+              <a:rPr lang="de-DE" sz="2800" dirty="0" smtClean="0">
+                <a:latin typeface="Arial" panose="020B0604020202020204" pitchFamily="34" charset="0"/>
+                <a:cs typeface="Arial" panose="020B0604020202020204" pitchFamily="34" charset="0"/>
+              </a:rPr>
+              <a:t> </a:t>
+            </a:r>
+            <a:r>
+              <a:rPr lang="de-DE" sz="2800" dirty="0" err="1" smtClean="0">
+                <a:latin typeface="Arial" panose="020B0604020202020204" pitchFamily="34" charset="0"/>
+                <a:cs typeface="Arial" panose="020B0604020202020204" pitchFamily="34" charset="0"/>
+              </a:rPr>
+              <a:t>is</a:t>
+            </a:r>
+            <a:r>
+              <a:rPr lang="de-DE" sz="2800" dirty="0" smtClean="0">
+                <a:latin typeface="Arial" panose="020B0604020202020204" pitchFamily="34" charset="0"/>
+                <a:cs typeface="Arial" panose="020B0604020202020204" pitchFamily="34" charset="0"/>
+              </a:rPr>
+              <a:t> </a:t>
+            </a:r>
+            <a:r>
+              <a:rPr lang="de-DE" sz="2800" dirty="0" err="1" smtClean="0">
+                <a:latin typeface="Arial" panose="020B0604020202020204" pitchFamily="34" charset="0"/>
+                <a:cs typeface="Arial" panose="020B0604020202020204" pitchFamily="34" charset="0"/>
+              </a:rPr>
+              <a:t>handled</a:t>
+            </a:r>
+            <a:r>
+              <a:rPr lang="de-DE" sz="2800" dirty="0" smtClean="0">
+                <a:latin typeface="Arial" panose="020B0604020202020204" pitchFamily="34" charset="0"/>
+                <a:cs typeface="Arial" panose="020B0604020202020204" pitchFamily="34" charset="0"/>
+              </a:rPr>
+              <a:t> via </a:t>
+            </a:r>
+            <a:r>
+              <a:rPr lang="de-DE" sz="2800" dirty="0" err="1" smtClean="0">
+                <a:latin typeface="Arial" panose="020B0604020202020204" pitchFamily="34" charset="0"/>
+                <a:cs typeface="Arial" panose="020B0604020202020204" pitchFamily="34" charset="0"/>
+              </a:rPr>
+              <a:t>sea</a:t>
+            </a:r>
+            <a:r>
+              <a:rPr lang="de-DE" sz="2800" dirty="0" smtClean="0">
+                <a:latin typeface="Arial" panose="020B0604020202020204" pitchFamily="34" charset="0"/>
+                <a:cs typeface="Arial" panose="020B0604020202020204" pitchFamily="34" charset="0"/>
+              </a:rPr>
+              <a:t>. The international </a:t>
+            </a:r>
+            <a:r>
+              <a:rPr lang="de-DE" sz="2800" dirty="0" err="1" smtClean="0">
+                <a:latin typeface="Arial" panose="020B0604020202020204" pitchFamily="34" charset="0"/>
+                <a:cs typeface="Arial" panose="020B0604020202020204" pitchFamily="34" charset="0"/>
+              </a:rPr>
+              <a:t>fleet</a:t>
+            </a:r>
+            <a:r>
+              <a:rPr lang="de-DE" sz="2800" dirty="0">
+                <a:latin typeface="Arial" panose="020B0604020202020204" pitchFamily="34" charset="0"/>
+                <a:cs typeface="Arial" panose="020B0604020202020204" pitchFamily="34" charset="0"/>
+              </a:rPr>
+              <a:t> </a:t>
+            </a:r>
+            <a:r>
+              <a:rPr lang="de-DE" sz="2800" dirty="0" err="1" smtClean="0">
+                <a:latin typeface="Arial" panose="020B0604020202020204" pitchFamily="34" charset="0"/>
+                <a:cs typeface="Arial" panose="020B0604020202020204" pitchFamily="34" charset="0"/>
+              </a:rPr>
+              <a:t>today</a:t>
+            </a:r>
+            <a:r>
+              <a:rPr lang="de-DE" sz="2800" dirty="0" smtClean="0">
+                <a:latin typeface="Arial" panose="020B0604020202020204" pitchFamily="34" charset="0"/>
+                <a:cs typeface="Arial" panose="020B0604020202020204" pitchFamily="34" charset="0"/>
+              </a:rPr>
+              <a:t> </a:t>
+            </a:r>
+            <a:r>
+              <a:rPr lang="de-DE" sz="2800" dirty="0" err="1" smtClean="0">
+                <a:latin typeface="Arial" panose="020B0604020202020204" pitchFamily="34" charset="0"/>
+                <a:cs typeface="Arial" panose="020B0604020202020204" pitchFamily="34" charset="0"/>
+              </a:rPr>
+              <a:t>includes</a:t>
+            </a:r>
+            <a:r>
+              <a:rPr lang="de-DE" sz="2800" dirty="0" smtClean="0">
+                <a:latin typeface="Arial" panose="020B0604020202020204" pitchFamily="34" charset="0"/>
+                <a:cs typeface="Arial" panose="020B0604020202020204" pitchFamily="34" charset="0"/>
+              </a:rPr>
+              <a:t> </a:t>
+            </a:r>
+            <a:r>
+              <a:rPr lang="de-DE" sz="2800" dirty="0" err="1" smtClean="0">
+                <a:latin typeface="Arial" panose="020B0604020202020204" pitchFamily="34" charset="0"/>
+                <a:cs typeface="Arial" panose="020B0604020202020204" pitchFamily="34" charset="0"/>
+              </a:rPr>
+              <a:t>about</a:t>
+            </a:r>
+            <a:r>
+              <a:rPr lang="de-DE" sz="2800" dirty="0" smtClean="0">
+                <a:latin typeface="Arial" panose="020B0604020202020204" pitchFamily="34" charset="0"/>
+                <a:cs typeface="Arial" panose="020B0604020202020204" pitchFamily="34" charset="0"/>
+              </a:rPr>
+              <a:t> 50.000 </a:t>
+            </a:r>
+            <a:r>
+              <a:rPr lang="de-DE" sz="2800" dirty="0" err="1" smtClean="0">
+                <a:latin typeface="Arial" panose="020B0604020202020204" pitchFamily="34" charset="0"/>
+                <a:cs typeface="Arial" panose="020B0604020202020204" pitchFamily="34" charset="0"/>
+              </a:rPr>
+              <a:t>ships</a:t>
+            </a:r>
+            <a:r>
+              <a:rPr lang="de-DE" sz="2800" dirty="0" smtClean="0">
+                <a:latin typeface="Arial" panose="020B0604020202020204" pitchFamily="34" charset="0"/>
+                <a:cs typeface="Arial" panose="020B0604020202020204" pitchFamily="34" charset="0"/>
+              </a:rPr>
+              <a:t>. But </a:t>
+            </a:r>
+            <a:r>
+              <a:rPr lang="de-DE" sz="2800" dirty="0" err="1" smtClean="0">
+                <a:latin typeface="Arial" panose="020B0604020202020204" pitchFamily="34" charset="0"/>
+                <a:cs typeface="Arial" panose="020B0604020202020204" pitchFamily="34" charset="0"/>
+              </a:rPr>
+              <a:t>that</a:t>
+            </a:r>
+            <a:r>
+              <a:rPr lang="de-DE" sz="2800" dirty="0" smtClean="0">
+                <a:latin typeface="Arial" panose="020B0604020202020204" pitchFamily="34" charset="0"/>
+                <a:cs typeface="Arial" panose="020B0604020202020204" pitchFamily="34" charset="0"/>
+              </a:rPr>
+              <a:t> </a:t>
+            </a:r>
+            <a:r>
+              <a:rPr lang="de-DE" sz="2800" dirty="0" err="1" smtClean="0">
+                <a:latin typeface="Arial" panose="020B0604020202020204" pitchFamily="34" charset="0"/>
+                <a:cs typeface="Arial" panose="020B0604020202020204" pitchFamily="34" charset="0"/>
+              </a:rPr>
+              <a:t>aside</a:t>
+            </a:r>
+            <a:r>
+              <a:rPr lang="de-DE" sz="2800" dirty="0" smtClean="0">
+                <a:latin typeface="Arial" panose="020B0604020202020204" pitchFamily="34" charset="0"/>
+                <a:cs typeface="Arial" panose="020B0604020202020204" pitchFamily="34" charset="0"/>
+              </a:rPr>
+              <a:t>, </a:t>
+            </a:r>
+            <a:r>
+              <a:rPr lang="de-DE" sz="2800" dirty="0" err="1" smtClean="0">
+                <a:latin typeface="Arial" panose="020B0604020202020204" pitchFamily="34" charset="0"/>
+                <a:cs typeface="Arial" panose="020B0604020202020204" pitchFamily="34" charset="0"/>
+              </a:rPr>
+              <a:t>ballast</a:t>
+            </a:r>
+            <a:r>
+              <a:rPr lang="de-DE" sz="2800" dirty="0" smtClean="0">
+                <a:latin typeface="Arial" panose="020B0604020202020204" pitchFamily="34" charset="0"/>
+                <a:cs typeface="Arial" panose="020B0604020202020204" pitchFamily="34" charset="0"/>
+              </a:rPr>
+              <a:t> </a:t>
+            </a:r>
+            <a:r>
+              <a:rPr lang="de-DE" sz="2800" dirty="0" err="1" smtClean="0">
+                <a:latin typeface="Arial" panose="020B0604020202020204" pitchFamily="34" charset="0"/>
+                <a:cs typeface="Arial" panose="020B0604020202020204" pitchFamily="34" charset="0"/>
+              </a:rPr>
+              <a:t>water</a:t>
+            </a:r>
+            <a:r>
+              <a:rPr lang="de-DE" sz="2800" dirty="0" smtClean="0">
+                <a:latin typeface="Arial" panose="020B0604020202020204" pitchFamily="34" charset="0"/>
+                <a:cs typeface="Arial" panose="020B0604020202020204" pitchFamily="34" charset="0"/>
+              </a:rPr>
+              <a:t> </a:t>
+            </a:r>
+            <a:r>
+              <a:rPr lang="de-DE" sz="2800" dirty="0" err="1" smtClean="0">
+                <a:latin typeface="Arial" panose="020B0604020202020204" pitchFamily="34" charset="0"/>
+                <a:cs typeface="Arial" panose="020B0604020202020204" pitchFamily="34" charset="0"/>
+              </a:rPr>
+              <a:t>alone</a:t>
+            </a:r>
+            <a:r>
+              <a:rPr lang="de-DE" sz="2800" dirty="0" smtClean="0">
+                <a:latin typeface="Arial" panose="020B0604020202020204" pitchFamily="34" charset="0"/>
+                <a:cs typeface="Arial" panose="020B0604020202020204" pitchFamily="34" charset="0"/>
+              </a:rPr>
+              <a:t> </a:t>
+            </a:r>
+            <a:r>
+              <a:rPr lang="de-DE" sz="2800" dirty="0" err="1" smtClean="0">
+                <a:latin typeface="Arial" panose="020B0604020202020204" pitchFamily="34" charset="0"/>
+                <a:cs typeface="Arial" panose="020B0604020202020204" pitchFamily="34" charset="0"/>
+              </a:rPr>
+              <a:t>transfers</a:t>
+            </a:r>
+            <a:r>
+              <a:rPr lang="de-DE" sz="2800" dirty="0" smtClean="0">
+                <a:latin typeface="Arial" panose="020B0604020202020204" pitchFamily="34" charset="0"/>
+                <a:cs typeface="Arial" panose="020B0604020202020204" pitchFamily="34" charset="0"/>
+              </a:rPr>
+              <a:t> </a:t>
+            </a:r>
+            <a:r>
+              <a:rPr lang="de-DE" sz="2800" dirty="0" err="1" smtClean="0">
+                <a:latin typeface="Arial" panose="020B0604020202020204" pitchFamily="34" charset="0"/>
+                <a:cs typeface="Arial" panose="020B0604020202020204" pitchFamily="34" charset="0"/>
+              </a:rPr>
+              <a:t>up</a:t>
+            </a:r>
+            <a:r>
+              <a:rPr lang="de-DE" sz="2800" dirty="0" smtClean="0">
+                <a:latin typeface="Arial" panose="020B0604020202020204" pitchFamily="34" charset="0"/>
+                <a:cs typeface="Arial" panose="020B0604020202020204" pitchFamily="34" charset="0"/>
+              </a:rPr>
+              <a:t> </a:t>
+            </a:r>
+            <a:r>
+              <a:rPr lang="de-DE" sz="2800" dirty="0" err="1" smtClean="0">
+                <a:latin typeface="Arial" panose="020B0604020202020204" pitchFamily="34" charset="0"/>
+                <a:cs typeface="Arial" panose="020B0604020202020204" pitchFamily="34" charset="0"/>
+              </a:rPr>
+              <a:t>to</a:t>
+            </a:r>
+            <a:r>
+              <a:rPr lang="de-DE" sz="2800" dirty="0" smtClean="0">
+                <a:latin typeface="Arial" panose="020B0604020202020204" pitchFamily="34" charset="0"/>
+                <a:cs typeface="Arial" panose="020B0604020202020204" pitchFamily="34" charset="0"/>
+              </a:rPr>
+              <a:t> 10000 </a:t>
+            </a:r>
+            <a:r>
+              <a:rPr lang="de-DE" sz="2800" dirty="0" err="1" smtClean="0">
+                <a:latin typeface="Arial" panose="020B0604020202020204" pitchFamily="34" charset="0"/>
+                <a:cs typeface="Arial" panose="020B0604020202020204" pitchFamily="34" charset="0"/>
+              </a:rPr>
+              <a:t>species</a:t>
+            </a:r>
+            <a:r>
+              <a:rPr lang="de-DE" sz="2800" dirty="0" smtClean="0">
+                <a:latin typeface="Arial" panose="020B0604020202020204" pitchFamily="34" charset="0"/>
+                <a:cs typeface="Arial" panose="020B0604020202020204" pitchFamily="34" charset="0"/>
+              </a:rPr>
+              <a:t> a </a:t>
+            </a:r>
+            <a:r>
+              <a:rPr lang="de-DE" sz="2800" dirty="0" err="1" smtClean="0">
+                <a:latin typeface="Arial" panose="020B0604020202020204" pitchFamily="34" charset="0"/>
+                <a:cs typeface="Arial" panose="020B0604020202020204" pitchFamily="34" charset="0"/>
+              </a:rPr>
+              <a:t>day</a:t>
+            </a:r>
+            <a:r>
+              <a:rPr lang="de-DE" sz="2800" dirty="0">
+                <a:latin typeface="Arial" panose="020B0604020202020204" pitchFamily="34" charset="0"/>
+                <a:cs typeface="Arial" panose="020B0604020202020204" pitchFamily="34" charset="0"/>
+              </a:rPr>
               <a:t>.</a:t>
             </a:r>
-          </a:p>
-          <a:p>
-            <a:pPr algn="just"/>
-            <a:r>
-              <a:rPr lang="de-DE" sz="2800" dirty="0" err="1" smtClean="0">
-                <a:latin typeface="Arial" panose="020B0604020202020204" pitchFamily="34" charset="0"/>
-                <a:cs typeface="Arial" panose="020B0604020202020204" pitchFamily="34" charset="0"/>
-              </a:rPr>
-              <a:t>About</a:t>
-            </a:r>
-            <a:r>
-              <a:rPr lang="de-DE" sz="2800" dirty="0" smtClean="0">
-                <a:latin typeface="Arial" panose="020B0604020202020204" pitchFamily="34" charset="0"/>
-                <a:cs typeface="Arial" panose="020B0604020202020204" pitchFamily="34" charset="0"/>
-              </a:rPr>
-              <a:t> 90% </a:t>
-            </a:r>
-            <a:r>
-              <a:rPr lang="de-DE" sz="2800" dirty="0" err="1" smtClean="0">
-                <a:latin typeface="Arial" panose="020B0604020202020204" pitchFamily="34" charset="0"/>
-                <a:cs typeface="Arial" panose="020B0604020202020204" pitchFamily="34" charset="0"/>
-              </a:rPr>
-              <a:t>of</a:t>
-            </a:r>
-            <a:r>
-              <a:rPr lang="de-DE" sz="2800" dirty="0" smtClean="0">
-                <a:latin typeface="Arial" panose="020B0604020202020204" pitchFamily="34" charset="0"/>
-                <a:cs typeface="Arial" panose="020B0604020202020204" pitchFamily="34" charset="0"/>
-              </a:rPr>
-              <a:t> total </a:t>
-            </a:r>
-            <a:r>
-              <a:rPr lang="de-DE" sz="2800" dirty="0" err="1" smtClean="0">
-                <a:latin typeface="Arial" panose="020B0604020202020204" pitchFamily="34" charset="0"/>
-                <a:cs typeface="Arial" panose="020B0604020202020204" pitchFamily="34" charset="0"/>
-              </a:rPr>
-              <a:t>world</a:t>
-            </a:r>
-            <a:r>
-              <a:rPr lang="de-DE" sz="2800" dirty="0" smtClean="0">
-                <a:latin typeface="Arial" panose="020B0604020202020204" pitchFamily="34" charset="0"/>
-                <a:cs typeface="Arial" panose="020B0604020202020204" pitchFamily="34" charset="0"/>
-              </a:rPr>
-              <a:t> </a:t>
-            </a:r>
-            <a:r>
-              <a:rPr lang="de-DE" sz="2800" dirty="0" err="1" smtClean="0">
-                <a:latin typeface="Arial" panose="020B0604020202020204" pitchFamily="34" charset="0"/>
-                <a:cs typeface="Arial" panose="020B0604020202020204" pitchFamily="34" charset="0"/>
-              </a:rPr>
-              <a:t>trade</a:t>
-            </a:r>
-            <a:r>
-              <a:rPr lang="de-DE" sz="2800" dirty="0" smtClean="0">
-                <a:latin typeface="Arial" panose="020B0604020202020204" pitchFamily="34" charset="0"/>
-                <a:cs typeface="Arial" panose="020B0604020202020204" pitchFamily="34" charset="0"/>
-              </a:rPr>
-              <a:t> </a:t>
-            </a:r>
-            <a:r>
-              <a:rPr lang="de-DE" sz="2800" dirty="0" err="1" smtClean="0">
-                <a:latin typeface="Arial" panose="020B0604020202020204" pitchFamily="34" charset="0"/>
-                <a:cs typeface="Arial" panose="020B0604020202020204" pitchFamily="34" charset="0"/>
-              </a:rPr>
-              <a:t>is</a:t>
-            </a:r>
-            <a:r>
-              <a:rPr lang="de-DE" sz="2800" dirty="0" smtClean="0">
-                <a:latin typeface="Arial" panose="020B0604020202020204" pitchFamily="34" charset="0"/>
-                <a:cs typeface="Arial" panose="020B0604020202020204" pitchFamily="34" charset="0"/>
-              </a:rPr>
-              <a:t> </a:t>
-            </a:r>
-            <a:r>
-              <a:rPr lang="de-DE" sz="2800" dirty="0" err="1" smtClean="0">
-                <a:latin typeface="Arial" panose="020B0604020202020204" pitchFamily="34" charset="0"/>
-                <a:cs typeface="Arial" panose="020B0604020202020204" pitchFamily="34" charset="0"/>
-              </a:rPr>
-              <a:t>handled</a:t>
-            </a:r>
-            <a:r>
-              <a:rPr lang="de-DE" sz="2800" dirty="0" smtClean="0">
-                <a:latin typeface="Arial" panose="020B0604020202020204" pitchFamily="34" charset="0"/>
-                <a:cs typeface="Arial" panose="020B0604020202020204" pitchFamily="34" charset="0"/>
-              </a:rPr>
-              <a:t> via </a:t>
-            </a:r>
-            <a:r>
-              <a:rPr lang="de-DE" sz="2800" dirty="0" err="1" smtClean="0">
-                <a:latin typeface="Arial" panose="020B0604020202020204" pitchFamily="34" charset="0"/>
-                <a:cs typeface="Arial" panose="020B0604020202020204" pitchFamily="34" charset="0"/>
-              </a:rPr>
-              <a:t>sea</a:t>
-            </a:r>
-            <a:r>
-              <a:rPr lang="de-DE" sz="2800" dirty="0" smtClean="0">
-                <a:latin typeface="Arial" panose="020B0604020202020204" pitchFamily="34" charset="0"/>
-                <a:cs typeface="Arial" panose="020B0604020202020204" pitchFamily="34" charset="0"/>
-              </a:rPr>
-              <a:t>. The international </a:t>
-            </a:r>
-            <a:r>
-              <a:rPr lang="de-DE" sz="2800" dirty="0" err="1" smtClean="0">
-                <a:latin typeface="Arial" panose="020B0604020202020204" pitchFamily="34" charset="0"/>
-                <a:cs typeface="Arial" panose="020B0604020202020204" pitchFamily="34" charset="0"/>
-              </a:rPr>
-              <a:t>fleet</a:t>
-            </a:r>
-            <a:r>
-              <a:rPr lang="de-DE" sz="2800" dirty="0">
-                <a:latin typeface="Arial" panose="020B0604020202020204" pitchFamily="34" charset="0"/>
-                <a:cs typeface="Arial" panose="020B0604020202020204" pitchFamily="34" charset="0"/>
-              </a:rPr>
-              <a:t> </a:t>
-            </a:r>
-            <a:r>
-              <a:rPr lang="de-DE" sz="2800" dirty="0" err="1" smtClean="0">
-                <a:latin typeface="Arial" panose="020B0604020202020204" pitchFamily="34" charset="0"/>
-                <a:cs typeface="Arial" panose="020B0604020202020204" pitchFamily="34" charset="0"/>
-              </a:rPr>
-              <a:t>today</a:t>
-            </a:r>
-            <a:r>
-              <a:rPr lang="de-DE" sz="2800" dirty="0" smtClean="0">
-                <a:latin typeface="Arial" panose="020B0604020202020204" pitchFamily="34" charset="0"/>
-                <a:cs typeface="Arial" panose="020B0604020202020204" pitchFamily="34" charset="0"/>
-              </a:rPr>
-              <a:t> </a:t>
-            </a:r>
-            <a:r>
-              <a:rPr lang="de-DE" sz="2800" dirty="0" err="1" smtClean="0">
-                <a:latin typeface="Arial" panose="020B0604020202020204" pitchFamily="34" charset="0"/>
-                <a:cs typeface="Arial" panose="020B0604020202020204" pitchFamily="34" charset="0"/>
-              </a:rPr>
-              <a:t>includes</a:t>
-            </a:r>
-            <a:r>
-              <a:rPr lang="de-DE" sz="2800" dirty="0" smtClean="0">
-                <a:latin typeface="Arial" panose="020B0604020202020204" pitchFamily="34" charset="0"/>
-                <a:cs typeface="Arial" panose="020B0604020202020204" pitchFamily="34" charset="0"/>
-              </a:rPr>
-              <a:t> </a:t>
-            </a:r>
-            <a:r>
-              <a:rPr lang="de-DE" sz="2800" dirty="0" err="1" smtClean="0">
-                <a:latin typeface="Arial" panose="020B0604020202020204" pitchFamily="34" charset="0"/>
-                <a:cs typeface="Arial" panose="020B0604020202020204" pitchFamily="34" charset="0"/>
-              </a:rPr>
-              <a:t>about</a:t>
-            </a:r>
-            <a:r>
-              <a:rPr lang="de-DE" sz="2800" dirty="0" smtClean="0">
-                <a:latin typeface="Arial" panose="020B0604020202020204" pitchFamily="34" charset="0"/>
-                <a:cs typeface="Arial" panose="020B0604020202020204" pitchFamily="34" charset="0"/>
-              </a:rPr>
-              <a:t> 50.000 </a:t>
-            </a:r>
-            <a:r>
-              <a:rPr lang="de-DE" sz="2800" dirty="0" err="1" smtClean="0">
-                <a:latin typeface="Arial" panose="020B0604020202020204" pitchFamily="34" charset="0"/>
-                <a:cs typeface="Arial" panose="020B0604020202020204" pitchFamily="34" charset="0"/>
-              </a:rPr>
-              <a:t>ships</a:t>
-            </a:r>
-            <a:r>
-              <a:rPr lang="de-DE" sz="2800" dirty="0" smtClean="0">
-                <a:latin typeface="Arial" panose="020B0604020202020204" pitchFamily="34" charset="0"/>
-                <a:cs typeface="Arial" panose="020B0604020202020204" pitchFamily="34" charset="0"/>
-              </a:rPr>
-              <a:t>. </a:t>
-            </a:r>
-          </a:p>
-          <a:p>
-            <a:pPr algn="just"/>
-            <a:endParaRPr lang="de-DE" sz="2800" dirty="0">
+            <a:endParaRPr lang="de-DE" sz="2800" dirty="0" smtClean="0">
               <a:latin typeface="Arial" panose="020B0604020202020204" pitchFamily="34" charset="0"/>
               <a:cs typeface="Arial" panose="020B0604020202020204" pitchFamily="34" charset="0"/>
             </a:endParaRPr>
@@ -8339,7 +8469,7 @@
         </p:nvSpPr>
         <p:spPr>
           <a:xfrm>
-            <a:off x="7880395" y="29956286"/>
+            <a:off x="5175295" y="29975336"/>
             <a:ext cx="4800600" cy="769441"/>
           </a:xfrm>
           <a:prstGeom prst="rect">
@@ -18931,8 +19061,8 @@
         </p:blipFill>
         <p:spPr>
           <a:xfrm>
-            <a:off x="13959083" y="32319993"/>
-            <a:ext cx="15106724" cy="9202951"/>
+            <a:off x="13737155" y="34427927"/>
+            <a:ext cx="12643497" cy="7702364"/>
           </a:xfrm>
           <a:prstGeom prst="rect">
             <a:avLst/>
@@ -18945,6 +19075,993 @@
               </a:schemeClr>
             </a:solidFill>
           </a:ln>
+        </p:spPr>
+      </p:pic>
+      <p:sp>
+        <p:nvSpPr>
+          <p:cNvPr id="78" name="Textfeld 77"/>
+          <p:cNvSpPr txBox="1"/>
+          <p:nvPr/>
+        </p:nvSpPr>
+        <p:spPr>
+          <a:xfrm>
+            <a:off x="26130053" y="27435768"/>
+            <a:ext cx="3982509" cy="338554"/>
+          </a:xfrm>
+          <a:prstGeom prst="rect">
+            <a:avLst/>
+          </a:prstGeom>
+          <a:noFill/>
+          <a:ln w="3175">
+            <a:noFill/>
+          </a:ln>
+        </p:spPr>
+        <p:txBody>
+          <a:bodyPr wrap="square" rtlCol="0">
+            <a:spAutoFit/>
+          </a:bodyPr>
+          <a:lstStyle/>
+          <a:p>
+            <a:pPr algn="ctr"/>
+            <a:r>
+              <a:rPr lang="de-DE" sz="1600" dirty="0" err="1">
+                <a:latin typeface="Arial" panose="020B0604020202020204" pitchFamily="34" charset="0"/>
+                <a:cs typeface="Arial" panose="020B0604020202020204" pitchFamily="34" charset="0"/>
+              </a:rPr>
+              <a:t>o</a:t>
+            </a:r>
+            <a:r>
+              <a:rPr lang="de-DE" sz="1600" dirty="0" err="1" smtClean="0">
+                <a:latin typeface="Arial" panose="020B0604020202020204" pitchFamily="34" charset="0"/>
+                <a:cs typeface="Arial" panose="020B0604020202020204" pitchFamily="34" charset="0"/>
+              </a:rPr>
+              <a:t>wn</a:t>
+            </a:r>
+            <a:r>
+              <a:rPr lang="de-DE" sz="1600" dirty="0" smtClean="0">
+                <a:latin typeface="Arial" panose="020B0604020202020204" pitchFamily="34" charset="0"/>
+                <a:cs typeface="Arial" panose="020B0604020202020204" pitchFamily="34" charset="0"/>
+              </a:rPr>
+              <a:t> </a:t>
+            </a:r>
+            <a:r>
+              <a:rPr lang="de-DE" sz="1600" dirty="0" err="1" smtClean="0">
+                <a:latin typeface="Arial" panose="020B0604020202020204" pitchFamily="34" charset="0"/>
+                <a:cs typeface="Arial" panose="020B0604020202020204" pitchFamily="34" charset="0"/>
+              </a:rPr>
+              <a:t>depiction</a:t>
+            </a:r>
+            <a:r>
+              <a:rPr lang="de-DE" sz="1600" dirty="0" smtClean="0">
+                <a:latin typeface="Arial" panose="020B0604020202020204" pitchFamily="34" charset="0"/>
+                <a:cs typeface="Arial" panose="020B0604020202020204" pitchFamily="34" charset="0"/>
+              </a:rPr>
+              <a:t> </a:t>
+            </a:r>
+            <a:r>
+              <a:rPr lang="de-DE" sz="1600" dirty="0" err="1" smtClean="0">
+                <a:latin typeface="Arial" panose="020B0604020202020204" pitchFamily="34" charset="0"/>
+                <a:cs typeface="Arial" panose="020B0604020202020204" pitchFamily="34" charset="0"/>
+              </a:rPr>
+              <a:t>based</a:t>
+            </a:r>
+            <a:r>
+              <a:rPr lang="de-DE" sz="1600" dirty="0" smtClean="0">
+                <a:latin typeface="Arial" panose="020B0604020202020204" pitchFamily="34" charset="0"/>
+                <a:cs typeface="Arial" panose="020B0604020202020204" pitchFamily="34" charset="0"/>
+              </a:rPr>
+              <a:t> on </a:t>
+            </a:r>
+            <a:r>
+              <a:rPr lang="de-DE" sz="1600" i="1" dirty="0" err="1" smtClean="0">
+                <a:latin typeface="Arial" panose="020B0604020202020204" pitchFamily="34" charset="0"/>
+                <a:cs typeface="Arial" panose="020B0604020202020204" pitchFamily="34" charset="0"/>
+              </a:rPr>
+              <a:t>Worldbank</a:t>
+            </a:r>
+            <a:r>
+              <a:rPr lang="de-DE" sz="1600" i="1" dirty="0" smtClean="0">
+                <a:latin typeface="Arial" panose="020B0604020202020204" pitchFamily="34" charset="0"/>
+                <a:cs typeface="Arial" panose="020B0604020202020204" pitchFamily="34" charset="0"/>
+              </a:rPr>
+              <a:t> 2019</a:t>
+            </a:r>
+            <a:endParaRPr lang="de-DE" sz="1600" i="1" dirty="0">
+              <a:latin typeface="Arial" panose="020B0604020202020204" pitchFamily="34" charset="0"/>
+              <a:cs typeface="Arial" panose="020B0604020202020204" pitchFamily="34" charset="0"/>
+            </a:endParaRPr>
+          </a:p>
+        </p:txBody>
+      </p:sp>
+      <p:sp>
+        <p:nvSpPr>
+          <p:cNvPr id="79" name="Textfeld 78"/>
+          <p:cNvSpPr txBox="1"/>
+          <p:nvPr/>
+        </p:nvSpPr>
+        <p:spPr>
+          <a:xfrm>
+            <a:off x="16299965" y="27437445"/>
+            <a:ext cx="3863762" cy="338554"/>
+          </a:xfrm>
+          <a:prstGeom prst="rect">
+            <a:avLst/>
+          </a:prstGeom>
+          <a:noFill/>
+          <a:ln w="3175">
+            <a:noFill/>
+          </a:ln>
+        </p:spPr>
+        <p:txBody>
+          <a:bodyPr wrap="square" rtlCol="0">
+            <a:spAutoFit/>
+          </a:bodyPr>
+          <a:lstStyle/>
+          <a:p>
+            <a:pPr algn="ctr"/>
+            <a:r>
+              <a:rPr lang="de-DE" sz="1600" dirty="0" err="1">
+                <a:latin typeface="Arial" panose="020B0604020202020204" pitchFamily="34" charset="0"/>
+                <a:cs typeface="Arial" panose="020B0604020202020204" pitchFamily="34" charset="0"/>
+              </a:rPr>
+              <a:t>o</a:t>
+            </a:r>
+            <a:r>
+              <a:rPr lang="de-DE" sz="1600" dirty="0" err="1" smtClean="0">
+                <a:latin typeface="Arial" panose="020B0604020202020204" pitchFamily="34" charset="0"/>
+                <a:cs typeface="Arial" panose="020B0604020202020204" pitchFamily="34" charset="0"/>
+              </a:rPr>
+              <a:t>wn</a:t>
+            </a:r>
+            <a:r>
+              <a:rPr lang="de-DE" sz="1600" dirty="0" smtClean="0">
+                <a:latin typeface="Arial" panose="020B0604020202020204" pitchFamily="34" charset="0"/>
+                <a:cs typeface="Arial" panose="020B0604020202020204" pitchFamily="34" charset="0"/>
+              </a:rPr>
+              <a:t> </a:t>
+            </a:r>
+            <a:r>
+              <a:rPr lang="de-DE" sz="1600" dirty="0" err="1" smtClean="0">
+                <a:latin typeface="Arial" panose="020B0604020202020204" pitchFamily="34" charset="0"/>
+                <a:cs typeface="Arial" panose="020B0604020202020204" pitchFamily="34" charset="0"/>
+              </a:rPr>
+              <a:t>depiction</a:t>
+            </a:r>
+            <a:r>
+              <a:rPr lang="de-DE" sz="1600" dirty="0" smtClean="0">
+                <a:latin typeface="Arial" panose="020B0604020202020204" pitchFamily="34" charset="0"/>
+                <a:cs typeface="Arial" panose="020B0604020202020204" pitchFamily="34" charset="0"/>
+              </a:rPr>
+              <a:t> </a:t>
+            </a:r>
+            <a:r>
+              <a:rPr lang="de-DE" sz="1600" dirty="0" err="1" smtClean="0">
+                <a:latin typeface="Arial" panose="020B0604020202020204" pitchFamily="34" charset="0"/>
+                <a:cs typeface="Arial" panose="020B0604020202020204" pitchFamily="34" charset="0"/>
+              </a:rPr>
+              <a:t>based</a:t>
+            </a:r>
+            <a:r>
+              <a:rPr lang="de-DE" sz="1600" dirty="0" smtClean="0">
+                <a:latin typeface="Arial" panose="020B0604020202020204" pitchFamily="34" charset="0"/>
+                <a:cs typeface="Arial" panose="020B0604020202020204" pitchFamily="34" charset="0"/>
+              </a:rPr>
+              <a:t> on </a:t>
+            </a:r>
+            <a:r>
+              <a:rPr lang="de-DE" sz="1600" i="1" dirty="0" smtClean="0">
+                <a:latin typeface="Arial" panose="020B0604020202020204" pitchFamily="34" charset="0"/>
+                <a:cs typeface="Arial" panose="020B0604020202020204" pitchFamily="34" charset="0"/>
+              </a:rPr>
+              <a:t>UNCTAD 2019</a:t>
+            </a:r>
+            <a:endParaRPr lang="de-DE" sz="1600" i="1" dirty="0">
+              <a:latin typeface="Arial" panose="020B0604020202020204" pitchFamily="34" charset="0"/>
+              <a:cs typeface="Arial" panose="020B0604020202020204" pitchFamily="34" charset="0"/>
+            </a:endParaRPr>
+          </a:p>
+        </p:txBody>
+      </p:sp>
+      <p:sp>
+        <p:nvSpPr>
+          <p:cNvPr id="80" name="Textfeld 79"/>
+          <p:cNvSpPr txBox="1"/>
+          <p:nvPr/>
+        </p:nvSpPr>
+        <p:spPr>
+          <a:xfrm>
+            <a:off x="6342774" y="27415821"/>
+            <a:ext cx="3863762" cy="338554"/>
+          </a:xfrm>
+          <a:prstGeom prst="rect">
+            <a:avLst/>
+          </a:prstGeom>
+          <a:noFill/>
+          <a:ln w="3175">
+            <a:noFill/>
+          </a:ln>
+        </p:spPr>
+        <p:txBody>
+          <a:bodyPr wrap="square" rtlCol="0">
+            <a:spAutoFit/>
+          </a:bodyPr>
+          <a:lstStyle/>
+          <a:p>
+            <a:pPr algn="ctr"/>
+            <a:r>
+              <a:rPr lang="de-DE" sz="1600" dirty="0" err="1">
+                <a:latin typeface="Arial" panose="020B0604020202020204" pitchFamily="34" charset="0"/>
+                <a:cs typeface="Arial" panose="020B0604020202020204" pitchFamily="34" charset="0"/>
+              </a:rPr>
+              <a:t>o</a:t>
+            </a:r>
+            <a:r>
+              <a:rPr lang="de-DE" sz="1600" dirty="0" err="1" smtClean="0">
+                <a:latin typeface="Arial" panose="020B0604020202020204" pitchFamily="34" charset="0"/>
+                <a:cs typeface="Arial" panose="020B0604020202020204" pitchFamily="34" charset="0"/>
+              </a:rPr>
+              <a:t>wn</a:t>
+            </a:r>
+            <a:r>
+              <a:rPr lang="de-DE" sz="1600" dirty="0" smtClean="0">
+                <a:latin typeface="Arial" panose="020B0604020202020204" pitchFamily="34" charset="0"/>
+                <a:cs typeface="Arial" panose="020B0604020202020204" pitchFamily="34" charset="0"/>
+              </a:rPr>
+              <a:t> </a:t>
+            </a:r>
+            <a:r>
+              <a:rPr lang="de-DE" sz="1600" dirty="0" err="1" smtClean="0">
+                <a:latin typeface="Arial" panose="020B0604020202020204" pitchFamily="34" charset="0"/>
+                <a:cs typeface="Arial" panose="020B0604020202020204" pitchFamily="34" charset="0"/>
+              </a:rPr>
+              <a:t>depiction</a:t>
+            </a:r>
+            <a:r>
+              <a:rPr lang="de-DE" sz="1600" dirty="0" smtClean="0">
+                <a:latin typeface="Arial" panose="020B0604020202020204" pitchFamily="34" charset="0"/>
+                <a:cs typeface="Arial" panose="020B0604020202020204" pitchFamily="34" charset="0"/>
+              </a:rPr>
+              <a:t> </a:t>
+            </a:r>
+            <a:r>
+              <a:rPr lang="de-DE" sz="1600" dirty="0" err="1" smtClean="0">
+                <a:latin typeface="Arial" panose="020B0604020202020204" pitchFamily="34" charset="0"/>
+                <a:cs typeface="Arial" panose="020B0604020202020204" pitchFamily="34" charset="0"/>
+              </a:rPr>
+              <a:t>based</a:t>
+            </a:r>
+            <a:r>
+              <a:rPr lang="de-DE" sz="1600" dirty="0" smtClean="0">
+                <a:latin typeface="Arial" panose="020B0604020202020204" pitchFamily="34" charset="0"/>
+                <a:cs typeface="Arial" panose="020B0604020202020204" pitchFamily="34" charset="0"/>
+              </a:rPr>
+              <a:t> on </a:t>
+            </a:r>
+            <a:r>
+              <a:rPr lang="de-DE" sz="1600" i="1" dirty="0" smtClean="0">
+                <a:latin typeface="Arial" panose="020B0604020202020204" pitchFamily="34" charset="0"/>
+                <a:cs typeface="Arial" panose="020B0604020202020204" pitchFamily="34" charset="0"/>
+              </a:rPr>
+              <a:t>UNCTAD 2019</a:t>
+            </a:r>
+            <a:endParaRPr lang="de-DE" sz="1600" i="1" dirty="0">
+              <a:latin typeface="Arial" panose="020B0604020202020204" pitchFamily="34" charset="0"/>
+              <a:cs typeface="Arial" panose="020B0604020202020204" pitchFamily="34" charset="0"/>
+            </a:endParaRPr>
+          </a:p>
+        </p:txBody>
+      </p:sp>
+      <p:sp>
+        <p:nvSpPr>
+          <p:cNvPr id="81" name="Textfeld 80"/>
+          <p:cNvSpPr txBox="1"/>
+          <p:nvPr/>
+        </p:nvSpPr>
+        <p:spPr>
+          <a:xfrm>
+            <a:off x="23947199" y="18904812"/>
+            <a:ext cx="6165363" cy="338554"/>
+          </a:xfrm>
+          <a:prstGeom prst="rect">
+            <a:avLst/>
+          </a:prstGeom>
+          <a:noFill/>
+          <a:ln w="3175">
+            <a:noFill/>
+          </a:ln>
+        </p:spPr>
+        <p:txBody>
+          <a:bodyPr wrap="square" rtlCol="0">
+            <a:spAutoFit/>
+          </a:bodyPr>
+          <a:lstStyle/>
+          <a:p>
+            <a:pPr algn="ctr"/>
+            <a:r>
+              <a:rPr lang="de-DE" sz="1600" dirty="0" err="1">
+                <a:latin typeface="Arial" panose="020B0604020202020204" pitchFamily="34" charset="0"/>
+                <a:cs typeface="Arial" panose="020B0604020202020204" pitchFamily="34" charset="0"/>
+              </a:rPr>
+              <a:t>o</a:t>
+            </a:r>
+            <a:r>
+              <a:rPr lang="de-DE" sz="1600" dirty="0" err="1" smtClean="0">
+                <a:latin typeface="Arial" panose="020B0604020202020204" pitchFamily="34" charset="0"/>
+                <a:cs typeface="Arial" panose="020B0604020202020204" pitchFamily="34" charset="0"/>
+              </a:rPr>
+              <a:t>wn</a:t>
+            </a:r>
+            <a:r>
+              <a:rPr lang="de-DE" sz="1600" dirty="0" smtClean="0">
+                <a:latin typeface="Arial" panose="020B0604020202020204" pitchFamily="34" charset="0"/>
+                <a:cs typeface="Arial" panose="020B0604020202020204" pitchFamily="34" charset="0"/>
+              </a:rPr>
+              <a:t> </a:t>
+            </a:r>
+            <a:r>
+              <a:rPr lang="de-DE" sz="1600" dirty="0" err="1" smtClean="0">
+                <a:latin typeface="Arial" panose="020B0604020202020204" pitchFamily="34" charset="0"/>
+                <a:cs typeface="Arial" panose="020B0604020202020204" pitchFamily="34" charset="0"/>
+              </a:rPr>
+              <a:t>depiction</a:t>
+            </a:r>
+            <a:r>
+              <a:rPr lang="de-DE" sz="1600" dirty="0" smtClean="0">
+                <a:latin typeface="Arial" panose="020B0604020202020204" pitchFamily="34" charset="0"/>
+                <a:cs typeface="Arial" panose="020B0604020202020204" pitchFamily="34" charset="0"/>
+              </a:rPr>
+              <a:t> </a:t>
+            </a:r>
+            <a:r>
+              <a:rPr lang="de-DE" sz="1600" dirty="0" err="1" smtClean="0">
+                <a:latin typeface="Arial" panose="020B0604020202020204" pitchFamily="34" charset="0"/>
+                <a:cs typeface="Arial" panose="020B0604020202020204" pitchFamily="34" charset="0"/>
+              </a:rPr>
+              <a:t>based</a:t>
+            </a:r>
+            <a:r>
+              <a:rPr lang="de-DE" sz="1600" dirty="0" smtClean="0">
+                <a:latin typeface="Arial" panose="020B0604020202020204" pitchFamily="34" charset="0"/>
+                <a:cs typeface="Arial" panose="020B0604020202020204" pitchFamily="34" charset="0"/>
+              </a:rPr>
+              <a:t> on </a:t>
+            </a:r>
+            <a:r>
+              <a:rPr lang="de-DE" sz="1600" i="1" dirty="0" err="1" smtClean="0">
+                <a:latin typeface="Arial" panose="020B0604020202020204" pitchFamily="34" charset="0"/>
+                <a:cs typeface="Arial" panose="020B0604020202020204" pitchFamily="34" charset="0"/>
+              </a:rPr>
+              <a:t>Nentwig</a:t>
+            </a:r>
+            <a:r>
+              <a:rPr lang="de-DE" sz="1600" i="1" dirty="0" smtClean="0">
+                <a:latin typeface="Arial" panose="020B0604020202020204" pitchFamily="34" charset="0"/>
+                <a:cs typeface="Arial" panose="020B0604020202020204" pitchFamily="34" charset="0"/>
+              </a:rPr>
+              <a:t> 2010 &amp; Klingenstein et al. 2005</a:t>
+            </a:r>
+            <a:endParaRPr lang="de-DE" sz="1600" i="1" dirty="0">
+              <a:latin typeface="Arial" panose="020B0604020202020204" pitchFamily="34" charset="0"/>
+              <a:cs typeface="Arial" panose="020B0604020202020204" pitchFamily="34" charset="0"/>
+            </a:endParaRPr>
+          </a:p>
+        </p:txBody>
+      </p:sp>
+      <p:sp>
+        <p:nvSpPr>
+          <p:cNvPr id="85" name="Textfeld 84"/>
+          <p:cNvSpPr txBox="1"/>
+          <p:nvPr/>
+        </p:nvSpPr>
+        <p:spPr>
+          <a:xfrm>
+            <a:off x="16336013" y="30622038"/>
+            <a:ext cx="9862831" cy="2246769"/>
+          </a:xfrm>
+          <a:prstGeom prst="rect">
+            <a:avLst/>
+          </a:prstGeom>
+          <a:solidFill>
+            <a:schemeClr val="accent6">
+              <a:lumMod val="40000"/>
+              <a:lumOff val="60000"/>
+              <a:alpha val="75000"/>
+            </a:schemeClr>
+          </a:solidFill>
+          <a:ln w="3175">
+            <a:solidFill>
+              <a:schemeClr val="tx1">
+                <a:lumMod val="95000"/>
+                <a:lumOff val="5000"/>
+              </a:schemeClr>
+            </a:solidFill>
+          </a:ln>
+          <a:effectLst/>
+        </p:spPr>
+        <p:txBody>
+          <a:bodyPr wrap="square" rtlCol="0">
+            <a:spAutoFit/>
+          </a:bodyPr>
+          <a:lstStyle/>
+          <a:p>
+            <a:pPr algn="just"/>
+            <a:r>
+              <a:rPr lang="de-DE" sz="2800" dirty="0" err="1" smtClean="0">
+                <a:latin typeface="Arial" panose="020B0604020202020204" pitchFamily="34" charset="0"/>
+                <a:cs typeface="Arial" panose="020B0604020202020204" pitchFamily="34" charset="0"/>
+              </a:rPr>
+              <a:t>Between</a:t>
+            </a:r>
+            <a:r>
+              <a:rPr lang="de-DE" sz="2800" dirty="0" smtClean="0">
+                <a:latin typeface="Arial" panose="020B0604020202020204" pitchFamily="34" charset="0"/>
+                <a:cs typeface="Arial" panose="020B0604020202020204" pitchFamily="34" charset="0"/>
+              </a:rPr>
+              <a:t> </a:t>
+            </a:r>
+            <a:r>
+              <a:rPr lang="de-DE" sz="2800" dirty="0" err="1" smtClean="0">
+                <a:latin typeface="Arial" panose="020B0604020202020204" pitchFamily="34" charset="0"/>
+                <a:cs typeface="Arial" panose="020B0604020202020204" pitchFamily="34" charset="0"/>
+              </a:rPr>
+              <a:t>the</a:t>
+            </a:r>
+            <a:r>
+              <a:rPr lang="de-DE" sz="2800" dirty="0" smtClean="0">
+                <a:latin typeface="Arial" panose="020B0604020202020204" pitchFamily="34" charset="0"/>
+                <a:cs typeface="Arial" panose="020B0604020202020204" pitchFamily="34" charset="0"/>
+              </a:rPr>
+              <a:t> </a:t>
+            </a:r>
+            <a:r>
+              <a:rPr lang="de-DE" sz="2800" dirty="0" err="1" smtClean="0">
+                <a:latin typeface="Arial" panose="020B0604020202020204" pitchFamily="34" charset="0"/>
+                <a:cs typeface="Arial" panose="020B0604020202020204" pitchFamily="34" charset="0"/>
+              </a:rPr>
+              <a:t>years</a:t>
+            </a:r>
+            <a:r>
+              <a:rPr lang="de-DE" sz="2800" dirty="0" smtClean="0">
+                <a:latin typeface="Arial" panose="020B0604020202020204" pitchFamily="34" charset="0"/>
+                <a:cs typeface="Arial" panose="020B0604020202020204" pitchFamily="34" charset="0"/>
+              </a:rPr>
+              <a:t> 1984 </a:t>
+            </a:r>
+            <a:r>
+              <a:rPr lang="de-DE" sz="2800" dirty="0" err="1" smtClean="0">
+                <a:latin typeface="Arial" panose="020B0604020202020204" pitchFamily="34" charset="0"/>
+                <a:cs typeface="Arial" panose="020B0604020202020204" pitchFamily="34" charset="0"/>
+              </a:rPr>
+              <a:t>and</a:t>
+            </a:r>
+            <a:r>
+              <a:rPr lang="de-DE" sz="2800" dirty="0" smtClean="0">
+                <a:latin typeface="Arial" panose="020B0604020202020204" pitchFamily="34" charset="0"/>
+                <a:cs typeface="Arial" panose="020B0604020202020204" pitchFamily="34" charset="0"/>
+              </a:rPr>
+              <a:t> 2000, 73% </a:t>
+            </a:r>
+            <a:r>
+              <a:rPr lang="de-DE" sz="2800" dirty="0" err="1" smtClean="0">
+                <a:latin typeface="Arial" panose="020B0604020202020204" pitchFamily="34" charset="0"/>
+                <a:cs typeface="Arial" panose="020B0604020202020204" pitchFamily="34" charset="0"/>
+              </a:rPr>
+              <a:t>of</a:t>
+            </a:r>
+            <a:r>
+              <a:rPr lang="de-DE" sz="2800" dirty="0" smtClean="0">
+                <a:latin typeface="Arial" panose="020B0604020202020204" pitchFamily="34" charset="0"/>
+                <a:cs typeface="Arial" panose="020B0604020202020204" pitchFamily="34" charset="0"/>
+              </a:rPr>
+              <a:t> all </a:t>
+            </a:r>
+            <a:r>
+              <a:rPr lang="de-DE" sz="2800" dirty="0" err="1" smtClean="0">
+                <a:latin typeface="Arial" panose="020B0604020202020204" pitchFamily="34" charset="0"/>
+                <a:cs typeface="Arial" panose="020B0604020202020204" pitchFamily="34" charset="0"/>
+              </a:rPr>
+              <a:t>alien</a:t>
+            </a:r>
+            <a:r>
+              <a:rPr lang="de-DE" sz="2800" dirty="0" smtClean="0">
+                <a:latin typeface="Arial" panose="020B0604020202020204" pitchFamily="34" charset="0"/>
+                <a:cs typeface="Arial" panose="020B0604020202020204" pitchFamily="34" charset="0"/>
+              </a:rPr>
+              <a:t> </a:t>
+            </a:r>
+            <a:r>
+              <a:rPr lang="de-DE" sz="2800" dirty="0" err="1" smtClean="0">
+                <a:latin typeface="Arial" panose="020B0604020202020204" pitchFamily="34" charset="0"/>
+                <a:cs typeface="Arial" panose="020B0604020202020204" pitchFamily="34" charset="0"/>
+              </a:rPr>
+              <a:t>species</a:t>
+            </a:r>
+            <a:r>
+              <a:rPr lang="de-DE" sz="2800" dirty="0" smtClean="0">
+                <a:latin typeface="Arial" panose="020B0604020202020204" pitchFamily="34" charset="0"/>
+                <a:cs typeface="Arial" panose="020B0604020202020204" pitchFamily="34" charset="0"/>
+              </a:rPr>
+              <a:t> in </a:t>
+            </a:r>
+            <a:r>
+              <a:rPr lang="de-DE" sz="2800" dirty="0" err="1" smtClean="0">
+                <a:latin typeface="Arial" panose="020B0604020202020204" pitchFamily="34" charset="0"/>
+                <a:cs typeface="Arial" panose="020B0604020202020204" pitchFamily="34" charset="0"/>
+              </a:rPr>
+              <a:t>the</a:t>
+            </a:r>
+            <a:r>
+              <a:rPr lang="de-DE" sz="2800" dirty="0" smtClean="0">
+                <a:latin typeface="Arial" panose="020B0604020202020204" pitchFamily="34" charset="0"/>
+                <a:cs typeface="Arial" panose="020B0604020202020204" pitchFamily="34" charset="0"/>
+              </a:rPr>
+              <a:t> US </a:t>
+            </a:r>
+            <a:r>
+              <a:rPr lang="de-DE" sz="2800" dirty="0" err="1" smtClean="0">
+                <a:latin typeface="Arial" panose="020B0604020202020204" pitchFamily="34" charset="0"/>
+                <a:cs typeface="Arial" panose="020B0604020202020204" pitchFamily="34" charset="0"/>
+              </a:rPr>
+              <a:t>were</a:t>
+            </a:r>
+            <a:r>
+              <a:rPr lang="de-DE" sz="2800" dirty="0" smtClean="0">
+                <a:latin typeface="Arial" panose="020B0604020202020204" pitchFamily="34" charset="0"/>
+                <a:cs typeface="Arial" panose="020B0604020202020204" pitchFamily="34" charset="0"/>
+              </a:rPr>
+              <a:t> </a:t>
+            </a:r>
+            <a:r>
+              <a:rPr lang="de-DE" sz="2800" dirty="0" err="1" smtClean="0">
+                <a:latin typeface="Arial" panose="020B0604020202020204" pitchFamily="34" charset="0"/>
+                <a:cs typeface="Arial" panose="020B0604020202020204" pitchFamily="34" charset="0"/>
+              </a:rPr>
+              <a:t>introduced</a:t>
+            </a:r>
+            <a:r>
+              <a:rPr lang="de-DE" sz="2800" dirty="0" smtClean="0">
+                <a:latin typeface="Arial" panose="020B0604020202020204" pitchFamily="34" charset="0"/>
+                <a:cs typeface="Arial" panose="020B0604020202020204" pitchFamily="34" charset="0"/>
+              </a:rPr>
+              <a:t> via </a:t>
+            </a:r>
+            <a:r>
+              <a:rPr lang="de-DE" sz="2800" dirty="0" err="1" smtClean="0">
+                <a:latin typeface="Arial" panose="020B0604020202020204" pitchFamily="34" charset="0"/>
+                <a:cs typeface="Arial" panose="020B0604020202020204" pitchFamily="34" charset="0"/>
+              </a:rPr>
+              <a:t>airports</a:t>
+            </a:r>
+            <a:r>
+              <a:rPr lang="de-DE" sz="2800" dirty="0" smtClean="0">
+                <a:latin typeface="Arial" panose="020B0604020202020204" pitchFamily="34" charset="0"/>
+                <a:cs typeface="Arial" panose="020B0604020202020204" pitchFamily="34" charset="0"/>
+              </a:rPr>
+              <a:t>. The </a:t>
+            </a:r>
+            <a:r>
+              <a:rPr lang="de-DE" sz="2800" dirty="0" err="1" smtClean="0">
+                <a:latin typeface="Arial" panose="020B0604020202020204" pitchFamily="34" charset="0"/>
+                <a:cs typeface="Arial" panose="020B0604020202020204" pitchFamily="34" charset="0"/>
+              </a:rPr>
+              <a:t>relation</a:t>
+            </a:r>
+            <a:r>
+              <a:rPr lang="de-DE" sz="2800" dirty="0" smtClean="0">
+                <a:latin typeface="Arial" panose="020B0604020202020204" pitchFamily="34" charset="0"/>
+                <a:cs typeface="Arial" panose="020B0604020202020204" pitchFamily="34" charset="0"/>
+              </a:rPr>
+              <a:t> in </a:t>
+            </a:r>
+            <a:r>
+              <a:rPr lang="de-DE" sz="2800" dirty="0" err="1" smtClean="0">
+                <a:latin typeface="Arial" panose="020B0604020202020204" pitchFamily="34" charset="0"/>
+                <a:cs typeface="Arial" panose="020B0604020202020204" pitchFamily="34" charset="0"/>
+              </a:rPr>
+              <a:t>terms</a:t>
+            </a:r>
+            <a:r>
+              <a:rPr lang="de-DE" sz="2800" dirty="0" smtClean="0">
+                <a:latin typeface="Arial" panose="020B0604020202020204" pitchFamily="34" charset="0"/>
+                <a:cs typeface="Arial" panose="020B0604020202020204" pitchFamily="34" charset="0"/>
+              </a:rPr>
+              <a:t> </a:t>
+            </a:r>
+            <a:r>
+              <a:rPr lang="de-DE" sz="2800" dirty="0" err="1" smtClean="0">
+                <a:latin typeface="Arial" panose="020B0604020202020204" pitchFamily="34" charset="0"/>
+                <a:cs typeface="Arial" panose="020B0604020202020204" pitchFamily="34" charset="0"/>
+              </a:rPr>
+              <a:t>of</a:t>
+            </a:r>
+            <a:r>
+              <a:rPr lang="de-DE" sz="2800" dirty="0" smtClean="0">
+                <a:latin typeface="Arial" panose="020B0604020202020204" pitchFamily="34" charset="0"/>
+                <a:cs typeface="Arial" panose="020B0604020202020204" pitchFamily="34" charset="0"/>
+              </a:rPr>
+              <a:t> </a:t>
+            </a:r>
+            <a:r>
+              <a:rPr lang="de-DE" sz="2800" dirty="0" err="1" smtClean="0">
+                <a:latin typeface="Arial" panose="020B0604020202020204" pitchFamily="34" charset="0"/>
+                <a:cs typeface="Arial" panose="020B0604020202020204" pitchFamily="34" charset="0"/>
+              </a:rPr>
+              <a:t>number</a:t>
+            </a:r>
+            <a:r>
+              <a:rPr lang="de-DE" sz="2800" dirty="0" smtClean="0">
+                <a:latin typeface="Arial" panose="020B0604020202020204" pitchFamily="34" charset="0"/>
+                <a:cs typeface="Arial" panose="020B0604020202020204" pitchFamily="34" charset="0"/>
+              </a:rPr>
+              <a:t> </a:t>
+            </a:r>
+            <a:r>
+              <a:rPr lang="de-DE" sz="2800" dirty="0" err="1" smtClean="0">
+                <a:latin typeface="Arial" panose="020B0604020202020204" pitchFamily="34" charset="0"/>
+                <a:cs typeface="Arial" panose="020B0604020202020204" pitchFamily="34" charset="0"/>
+              </a:rPr>
+              <a:t>between</a:t>
+            </a:r>
+            <a:r>
+              <a:rPr lang="de-DE" sz="2800" dirty="0" smtClean="0">
+                <a:latin typeface="Arial" panose="020B0604020202020204" pitchFamily="34" charset="0"/>
+                <a:cs typeface="Arial" panose="020B0604020202020204" pitchFamily="34" charset="0"/>
+              </a:rPr>
+              <a:t> </a:t>
+            </a:r>
+            <a:r>
+              <a:rPr lang="de-DE" sz="2800" dirty="0" err="1" smtClean="0">
+                <a:latin typeface="Arial" panose="020B0604020202020204" pitchFamily="34" charset="0"/>
+                <a:cs typeface="Arial" panose="020B0604020202020204" pitchFamily="34" charset="0"/>
+              </a:rPr>
+              <a:t>seaports</a:t>
+            </a:r>
+            <a:r>
+              <a:rPr lang="de-DE" sz="2800" dirty="0" smtClean="0">
+                <a:latin typeface="Arial" panose="020B0604020202020204" pitchFamily="34" charset="0"/>
+                <a:cs typeface="Arial" panose="020B0604020202020204" pitchFamily="34" charset="0"/>
+              </a:rPr>
+              <a:t>, </a:t>
+            </a:r>
+            <a:r>
+              <a:rPr lang="de-DE" sz="2800" dirty="0" err="1" smtClean="0">
+                <a:latin typeface="Arial" panose="020B0604020202020204" pitchFamily="34" charset="0"/>
+                <a:cs typeface="Arial" panose="020B0604020202020204" pitchFamily="34" charset="0"/>
+              </a:rPr>
+              <a:t>airports</a:t>
+            </a:r>
+            <a:r>
+              <a:rPr lang="de-DE" sz="2800" dirty="0" smtClean="0">
+                <a:latin typeface="Arial" panose="020B0604020202020204" pitchFamily="34" charset="0"/>
+                <a:cs typeface="Arial" panose="020B0604020202020204" pitchFamily="34" charset="0"/>
+              </a:rPr>
+              <a:t> </a:t>
+            </a:r>
+            <a:r>
+              <a:rPr lang="de-DE" sz="2800" dirty="0" err="1" smtClean="0">
+                <a:latin typeface="Arial" panose="020B0604020202020204" pitchFamily="34" charset="0"/>
+                <a:cs typeface="Arial" panose="020B0604020202020204" pitchFamily="34" charset="0"/>
+              </a:rPr>
+              <a:t>and</a:t>
+            </a:r>
+            <a:r>
+              <a:rPr lang="de-DE" sz="2800" dirty="0" smtClean="0">
+                <a:latin typeface="Arial" panose="020B0604020202020204" pitchFamily="34" charset="0"/>
+                <a:cs typeface="Arial" panose="020B0604020202020204" pitchFamily="34" charset="0"/>
+              </a:rPr>
+              <a:t> </a:t>
+            </a:r>
+            <a:r>
+              <a:rPr lang="de-DE" sz="2800" dirty="0" err="1" smtClean="0">
+                <a:latin typeface="Arial" panose="020B0604020202020204" pitchFamily="34" charset="0"/>
+                <a:cs typeface="Arial" panose="020B0604020202020204" pitchFamily="34" charset="0"/>
+              </a:rPr>
+              <a:t>other</a:t>
+            </a:r>
+            <a:r>
+              <a:rPr lang="de-DE" sz="2800" dirty="0" smtClean="0">
+                <a:latin typeface="Arial" panose="020B0604020202020204" pitchFamily="34" charset="0"/>
+                <a:cs typeface="Arial" panose="020B0604020202020204" pitchFamily="34" charset="0"/>
+              </a:rPr>
+              <a:t> </a:t>
+            </a:r>
+            <a:r>
+              <a:rPr lang="de-DE" sz="2800" dirty="0" err="1" smtClean="0">
+                <a:latin typeface="Arial" panose="020B0604020202020204" pitchFamily="34" charset="0"/>
+                <a:cs typeface="Arial" panose="020B0604020202020204" pitchFamily="34" charset="0"/>
+              </a:rPr>
+              <a:t>infrastructures</a:t>
+            </a:r>
+            <a:r>
+              <a:rPr lang="de-DE" sz="2800" dirty="0" smtClean="0">
+                <a:latin typeface="Arial" panose="020B0604020202020204" pitchFamily="34" charset="0"/>
+                <a:cs typeface="Arial" panose="020B0604020202020204" pitchFamily="34" charset="0"/>
+              </a:rPr>
+              <a:t> </a:t>
+            </a:r>
+            <a:r>
+              <a:rPr lang="de-DE" sz="2800" dirty="0" err="1" smtClean="0">
+                <a:latin typeface="Arial" panose="020B0604020202020204" pitchFamily="34" charset="0"/>
+                <a:cs typeface="Arial" panose="020B0604020202020204" pitchFamily="34" charset="0"/>
+              </a:rPr>
+              <a:t>is</a:t>
+            </a:r>
+            <a:r>
+              <a:rPr lang="de-DE" sz="2800" dirty="0" smtClean="0">
+                <a:latin typeface="Arial" panose="020B0604020202020204" pitchFamily="34" charset="0"/>
+                <a:cs typeface="Arial" panose="020B0604020202020204" pitchFamily="34" charset="0"/>
+              </a:rPr>
+              <a:t> a </a:t>
+            </a:r>
+            <a:r>
+              <a:rPr lang="de-DE" sz="2800" dirty="0" err="1" smtClean="0">
+                <a:latin typeface="Arial" panose="020B0604020202020204" pitchFamily="34" charset="0"/>
+                <a:cs typeface="Arial" panose="020B0604020202020204" pitchFamily="34" charset="0"/>
+              </a:rPr>
+              <a:t>big</a:t>
+            </a:r>
+            <a:r>
+              <a:rPr lang="de-DE" sz="2800" dirty="0" smtClean="0">
+                <a:latin typeface="Arial" panose="020B0604020202020204" pitchFamily="34" charset="0"/>
+                <a:cs typeface="Arial" panose="020B0604020202020204" pitchFamily="34" charset="0"/>
+              </a:rPr>
+              <a:t> </a:t>
+            </a:r>
+            <a:r>
+              <a:rPr lang="de-DE" sz="2800" dirty="0" err="1" smtClean="0">
+                <a:latin typeface="Arial" panose="020B0604020202020204" pitchFamily="34" charset="0"/>
+                <a:cs typeface="Arial" panose="020B0604020202020204" pitchFamily="34" charset="0"/>
+              </a:rPr>
+              <a:t>factor</a:t>
+            </a:r>
+            <a:r>
+              <a:rPr lang="de-DE" sz="2800" dirty="0" smtClean="0">
+                <a:latin typeface="Arial" panose="020B0604020202020204" pitchFamily="34" charset="0"/>
+                <a:cs typeface="Arial" panose="020B0604020202020204" pitchFamily="34" charset="0"/>
+              </a:rPr>
+              <a:t> </a:t>
+            </a:r>
+            <a:r>
+              <a:rPr lang="de-DE" sz="2800" dirty="0" err="1" smtClean="0">
+                <a:latin typeface="Arial" panose="020B0604020202020204" pitchFamily="34" charset="0"/>
+                <a:cs typeface="Arial" panose="020B0604020202020204" pitchFamily="34" charset="0"/>
+              </a:rPr>
+              <a:t>when</a:t>
+            </a:r>
+            <a:r>
+              <a:rPr lang="de-DE" sz="2800" dirty="0" smtClean="0">
+                <a:latin typeface="Arial" panose="020B0604020202020204" pitchFamily="34" charset="0"/>
+                <a:cs typeface="Arial" panose="020B0604020202020204" pitchFamily="34" charset="0"/>
+              </a:rPr>
+              <a:t> </a:t>
+            </a:r>
+            <a:r>
+              <a:rPr lang="de-DE" sz="2800" dirty="0" err="1" smtClean="0">
+                <a:latin typeface="Arial" panose="020B0604020202020204" pitchFamily="34" charset="0"/>
+                <a:cs typeface="Arial" panose="020B0604020202020204" pitchFamily="34" charset="0"/>
+              </a:rPr>
+              <a:t>it</a:t>
+            </a:r>
+            <a:r>
+              <a:rPr lang="de-DE" sz="2800" dirty="0" smtClean="0">
+                <a:latin typeface="Arial" panose="020B0604020202020204" pitchFamily="34" charset="0"/>
+                <a:cs typeface="Arial" panose="020B0604020202020204" pitchFamily="34" charset="0"/>
+              </a:rPr>
+              <a:t> </a:t>
+            </a:r>
+            <a:r>
+              <a:rPr lang="de-DE" sz="2800" dirty="0" err="1" smtClean="0">
+                <a:latin typeface="Arial" panose="020B0604020202020204" pitchFamily="34" charset="0"/>
+                <a:cs typeface="Arial" panose="020B0604020202020204" pitchFamily="34" charset="0"/>
+              </a:rPr>
+              <a:t>comes</a:t>
+            </a:r>
+            <a:r>
+              <a:rPr lang="de-DE" sz="2800" dirty="0" smtClean="0">
+                <a:latin typeface="Arial" panose="020B0604020202020204" pitchFamily="34" charset="0"/>
+                <a:cs typeface="Arial" panose="020B0604020202020204" pitchFamily="34" charset="0"/>
+              </a:rPr>
+              <a:t> </a:t>
+            </a:r>
+            <a:r>
+              <a:rPr lang="de-DE" sz="2800" dirty="0" err="1" smtClean="0">
+                <a:latin typeface="Arial" panose="020B0604020202020204" pitchFamily="34" charset="0"/>
+                <a:cs typeface="Arial" panose="020B0604020202020204" pitchFamily="34" charset="0"/>
+              </a:rPr>
+              <a:t>to</a:t>
+            </a:r>
+            <a:r>
+              <a:rPr lang="de-DE" sz="2800" dirty="0" smtClean="0">
+                <a:latin typeface="Arial" panose="020B0604020202020204" pitchFamily="34" charset="0"/>
+                <a:cs typeface="Arial" panose="020B0604020202020204" pitchFamily="34" charset="0"/>
+              </a:rPr>
+              <a:t> </a:t>
+            </a:r>
+            <a:r>
+              <a:rPr lang="de-DE" sz="2800" dirty="0" err="1" smtClean="0">
+                <a:latin typeface="Arial" panose="020B0604020202020204" pitchFamily="34" charset="0"/>
+                <a:cs typeface="Arial" panose="020B0604020202020204" pitchFamily="34" charset="0"/>
+              </a:rPr>
+              <a:t>the</a:t>
+            </a:r>
+            <a:r>
+              <a:rPr lang="de-DE" sz="2800" dirty="0" smtClean="0">
+                <a:latin typeface="Arial" panose="020B0604020202020204" pitchFamily="34" charset="0"/>
+                <a:cs typeface="Arial" panose="020B0604020202020204" pitchFamily="34" charset="0"/>
+              </a:rPr>
+              <a:t> </a:t>
+            </a:r>
+            <a:r>
+              <a:rPr lang="de-DE" sz="2800" dirty="0" err="1" smtClean="0">
+                <a:latin typeface="Arial" panose="020B0604020202020204" pitchFamily="34" charset="0"/>
+                <a:cs typeface="Arial" panose="020B0604020202020204" pitchFamily="34" charset="0"/>
+              </a:rPr>
+              <a:t>amount</a:t>
+            </a:r>
+            <a:r>
+              <a:rPr lang="de-DE" sz="2800" dirty="0" smtClean="0">
+                <a:latin typeface="Arial" panose="020B0604020202020204" pitchFamily="34" charset="0"/>
+                <a:cs typeface="Arial" panose="020B0604020202020204" pitchFamily="34" charset="0"/>
+              </a:rPr>
+              <a:t> </a:t>
+            </a:r>
+            <a:r>
+              <a:rPr lang="de-DE" sz="2800" dirty="0" err="1" smtClean="0">
+                <a:latin typeface="Arial" panose="020B0604020202020204" pitchFamily="34" charset="0"/>
+                <a:cs typeface="Arial" panose="020B0604020202020204" pitchFamily="34" charset="0"/>
+              </a:rPr>
+              <a:t>and</a:t>
+            </a:r>
+            <a:r>
+              <a:rPr lang="de-DE" sz="2800" dirty="0" smtClean="0">
+                <a:latin typeface="Arial" panose="020B0604020202020204" pitchFamily="34" charset="0"/>
+                <a:cs typeface="Arial" panose="020B0604020202020204" pitchFamily="34" charset="0"/>
+              </a:rPr>
+              <a:t> type </a:t>
+            </a:r>
+            <a:r>
+              <a:rPr lang="de-DE" sz="2800" dirty="0" err="1" smtClean="0">
+                <a:latin typeface="Arial" panose="020B0604020202020204" pitchFamily="34" charset="0"/>
+                <a:cs typeface="Arial" panose="020B0604020202020204" pitchFamily="34" charset="0"/>
+              </a:rPr>
+              <a:t>of</a:t>
+            </a:r>
+            <a:r>
+              <a:rPr lang="de-DE" sz="2800" dirty="0" smtClean="0">
+                <a:latin typeface="Arial" panose="020B0604020202020204" pitchFamily="34" charset="0"/>
+                <a:cs typeface="Arial" panose="020B0604020202020204" pitchFamily="34" charset="0"/>
+              </a:rPr>
+              <a:t> </a:t>
+            </a:r>
+            <a:r>
+              <a:rPr lang="de-DE" sz="2800" dirty="0" err="1" smtClean="0">
+                <a:latin typeface="Arial" panose="020B0604020202020204" pitchFamily="34" charset="0"/>
+                <a:cs typeface="Arial" panose="020B0604020202020204" pitchFamily="34" charset="0"/>
+              </a:rPr>
+              <a:t>introduced</a:t>
+            </a:r>
+            <a:r>
+              <a:rPr lang="de-DE" sz="2800" dirty="0" smtClean="0">
+                <a:latin typeface="Arial" panose="020B0604020202020204" pitchFamily="34" charset="0"/>
+                <a:cs typeface="Arial" panose="020B0604020202020204" pitchFamily="34" charset="0"/>
+              </a:rPr>
+              <a:t> </a:t>
+            </a:r>
+            <a:r>
+              <a:rPr lang="de-DE" sz="2800" dirty="0" err="1" smtClean="0">
+                <a:latin typeface="Arial" panose="020B0604020202020204" pitchFamily="34" charset="0"/>
+                <a:cs typeface="Arial" panose="020B0604020202020204" pitchFamily="34" charset="0"/>
+              </a:rPr>
+              <a:t>species</a:t>
+            </a:r>
+            <a:r>
+              <a:rPr lang="de-DE" sz="2800" dirty="0" smtClean="0">
+                <a:latin typeface="Arial" panose="020B0604020202020204" pitchFamily="34" charset="0"/>
+                <a:cs typeface="Arial" panose="020B0604020202020204" pitchFamily="34" charset="0"/>
+              </a:rPr>
+              <a:t>.</a:t>
+            </a:r>
+            <a:endParaRPr lang="de-DE" sz="2800" dirty="0">
+              <a:latin typeface="Arial" panose="020B0604020202020204" pitchFamily="34" charset="0"/>
+              <a:cs typeface="Arial" panose="020B0604020202020204" pitchFamily="34" charset="0"/>
+            </a:endParaRPr>
+          </a:p>
+        </p:txBody>
+      </p:sp>
+      <p:pic>
+        <p:nvPicPr>
+          <p:cNvPr id="95" name="Grafik 94"/>
+          <p:cNvPicPr>
+            <a:picLocks noChangeAspect="1"/>
+          </p:cNvPicPr>
+          <p:nvPr/>
+        </p:nvPicPr>
+        <p:blipFill>
+          <a:blip r:embed="rId15"/>
+          <a:srcRect l="26048" t="14919" r="26219" b="15306"/>
+          <a:stretch>
+            <a:fillRect/>
+          </a:stretch>
+        </p:blipFill>
+        <p:spPr>
+          <a:xfrm>
+            <a:off x="26354781" y="30406216"/>
+            <a:ext cx="3778245" cy="3778243"/>
+          </a:xfrm>
+          <a:custGeom>
+            <a:avLst/>
+            <a:gdLst>
+              <a:gd name="connsiteX0" fmla="*/ 1390774 w 2781546"/>
+              <a:gd name="connsiteY0" fmla="*/ 0 h 2781544"/>
+              <a:gd name="connsiteX1" fmla="*/ 2781546 w 2781546"/>
+              <a:gd name="connsiteY1" fmla="*/ 1390772 h 2781544"/>
+              <a:gd name="connsiteX2" fmla="*/ 1390774 w 2781546"/>
+              <a:gd name="connsiteY2" fmla="*/ 2781544 h 2781544"/>
+              <a:gd name="connsiteX3" fmla="*/ 0 w 2781546"/>
+              <a:gd name="connsiteY3" fmla="*/ 1390772 h 2781544"/>
+              <a:gd name="connsiteX4" fmla="*/ 1390774 w 2781546"/>
+              <a:gd name="connsiteY4" fmla="*/ 0 h 2781544"/>
+            </a:gdLst>
+            <a:ahLst/>
+            <a:cxnLst>
+              <a:cxn ang="0">
+                <a:pos x="connsiteX0" y="connsiteY0"/>
+              </a:cxn>
+              <a:cxn ang="0">
+                <a:pos x="connsiteX1" y="connsiteY1"/>
+              </a:cxn>
+              <a:cxn ang="0">
+                <a:pos x="connsiteX2" y="connsiteY2"/>
+              </a:cxn>
+              <a:cxn ang="0">
+                <a:pos x="connsiteX3" y="connsiteY3"/>
+              </a:cxn>
+              <a:cxn ang="0">
+                <a:pos x="connsiteX4" y="connsiteY4"/>
+              </a:cxn>
+            </a:cxnLst>
+            <a:rect l="l" t="t" r="r" b="b"/>
+            <a:pathLst>
+              <a:path w="2781546" h="2781544">
+                <a:moveTo>
+                  <a:pt x="1390774" y="0"/>
+                </a:moveTo>
+                <a:cubicBezTo>
+                  <a:pt x="2158876" y="0"/>
+                  <a:pt x="2781546" y="622670"/>
+                  <a:pt x="2781546" y="1390772"/>
+                </a:cubicBezTo>
+                <a:cubicBezTo>
+                  <a:pt x="2781546" y="2158876"/>
+                  <a:pt x="2158876" y="2781544"/>
+                  <a:pt x="1390774" y="2781544"/>
+                </a:cubicBezTo>
+                <a:cubicBezTo>
+                  <a:pt x="622670" y="2781544"/>
+                  <a:pt x="0" y="2158876"/>
+                  <a:pt x="0" y="1390772"/>
+                </a:cubicBezTo>
+                <a:cubicBezTo>
+                  <a:pt x="0" y="622670"/>
+                  <a:pt x="622670" y="0"/>
+                  <a:pt x="1390774" y="0"/>
+                </a:cubicBezTo>
+                <a:close/>
+              </a:path>
+            </a:pathLst>
+          </a:custGeom>
+          <a:ln w="6350">
+            <a:solidFill>
+              <a:schemeClr val="tx1"/>
+            </a:solidFill>
+          </a:ln>
+          <a:effectLst>
+            <a:outerShdw blurRad="50800" dist="38100" dir="2400000" algn="tl" rotWithShape="0">
+              <a:prstClr val="black">
+                <a:alpha val="40000"/>
+              </a:prstClr>
+            </a:outerShdw>
+          </a:effectLst>
         </p:spPr>
       </p:pic>
       <p:sp>
@@ -18996,22 +20113,19 @@
       </p:sp>
       <p:sp>
         <p:nvSpPr>
-          <p:cNvPr id="78" name="Textfeld 77"/>
+          <p:cNvPr id="9" name="Textfeld 8"/>
           <p:cNvSpPr txBox="1"/>
           <p:nvPr/>
         </p:nvSpPr>
         <p:spPr>
-          <a:xfrm>
-            <a:off x="26130053" y="27435768"/>
-            <a:ext cx="3982509" cy="338554"/>
+          <a:xfrm rot="3424706">
+            <a:off x="26958317" y="31367307"/>
+            <a:ext cx="1499187" cy="369332"/>
           </a:xfrm>
           <a:prstGeom prst="rect">
             <a:avLst/>
           </a:prstGeom>
           <a:noFill/>
-          <a:ln w="3175">
-            <a:noFill/>
-          </a:ln>
         </p:spPr>
         <p:txBody>
           <a:bodyPr wrap="square" rtlCol="0">
@@ -19019,71 +20133,21 @@
           </a:bodyPr>
           <a:lstStyle/>
           <a:p>
-            <a:pPr algn="ctr"/>
-            <a:r>
-              <a:rPr lang="de-DE" sz="1600" dirty="0" err="1">
-                <a:latin typeface="Arial" panose="020B0604020202020204" pitchFamily="34" charset="0"/>
-                <a:cs typeface="Arial" panose="020B0604020202020204" pitchFamily="34" charset="0"/>
-              </a:rPr>
-              <a:t>o</a:t>
-            </a:r>
-            <a:r>
-              <a:rPr lang="de-DE" sz="1600" dirty="0" err="1" smtClean="0">
-                <a:latin typeface="Arial" panose="020B0604020202020204" pitchFamily="34" charset="0"/>
-                <a:cs typeface="Arial" panose="020B0604020202020204" pitchFamily="34" charset="0"/>
-              </a:rPr>
-              <a:t>wn</a:t>
-            </a:r>
-            <a:r>
-              <a:rPr lang="de-DE" sz="1600" dirty="0" smtClean="0">
-                <a:latin typeface="Arial" panose="020B0604020202020204" pitchFamily="34" charset="0"/>
-                <a:cs typeface="Arial" panose="020B0604020202020204" pitchFamily="34" charset="0"/>
-              </a:rPr>
-              <a:t> </a:t>
-            </a:r>
-            <a:r>
-              <a:rPr lang="de-DE" sz="1600" dirty="0" err="1" smtClean="0">
-                <a:latin typeface="Arial" panose="020B0604020202020204" pitchFamily="34" charset="0"/>
-                <a:cs typeface="Arial" panose="020B0604020202020204" pitchFamily="34" charset="0"/>
-              </a:rPr>
-              <a:t>depiction</a:t>
-            </a:r>
-            <a:r>
-              <a:rPr lang="de-DE" sz="1600" dirty="0" smtClean="0">
-                <a:latin typeface="Arial" panose="020B0604020202020204" pitchFamily="34" charset="0"/>
-                <a:cs typeface="Arial" panose="020B0604020202020204" pitchFamily="34" charset="0"/>
-              </a:rPr>
-              <a:t> </a:t>
-            </a:r>
-            <a:r>
-              <a:rPr lang="de-DE" sz="1600" dirty="0" err="1" smtClean="0">
-                <a:latin typeface="Arial" panose="020B0604020202020204" pitchFamily="34" charset="0"/>
-                <a:cs typeface="Arial" panose="020B0604020202020204" pitchFamily="34" charset="0"/>
-              </a:rPr>
-              <a:t>based</a:t>
-            </a:r>
-            <a:r>
-              <a:rPr lang="de-DE" sz="1600" dirty="0" smtClean="0">
-                <a:latin typeface="Arial" panose="020B0604020202020204" pitchFamily="34" charset="0"/>
-                <a:cs typeface="Arial" panose="020B0604020202020204" pitchFamily="34" charset="0"/>
-              </a:rPr>
-              <a:t> on </a:t>
-            </a:r>
-            <a:r>
-              <a:rPr lang="de-DE" sz="1600" i="1" dirty="0" err="1" smtClean="0">
-                <a:latin typeface="Arial" panose="020B0604020202020204" pitchFamily="34" charset="0"/>
-                <a:cs typeface="Arial" panose="020B0604020202020204" pitchFamily="34" charset="0"/>
-              </a:rPr>
-              <a:t>Worldbank</a:t>
-            </a:r>
-            <a:r>
-              <a:rPr lang="de-DE" sz="1600" i="1" dirty="0" smtClean="0">
-                <a:latin typeface="Arial" panose="020B0604020202020204" pitchFamily="34" charset="0"/>
-                <a:cs typeface="Arial" panose="020B0604020202020204" pitchFamily="34" charset="0"/>
-              </a:rPr>
-              <a:t> 2019</a:t>
-            </a:r>
-            <a:endParaRPr lang="de-DE" sz="1600" i="1" dirty="0">
+            <a:r>
+              <a:rPr lang="de-DE" b="1" dirty="0">
+                <a:latin typeface="Arial" panose="020B0604020202020204" pitchFamily="34" charset="0"/>
+                <a:cs typeface="Arial" panose="020B0604020202020204" pitchFamily="34" charset="0"/>
+              </a:rPr>
+              <a:t>O</a:t>
+            </a:r>
+            <a:r>
+              <a:rPr lang="de-DE" b="1" dirty="0" smtClean="0">
+                <a:latin typeface="Arial" panose="020B0604020202020204" pitchFamily="34" charset="0"/>
+                <a:cs typeface="Arial" panose="020B0604020202020204" pitchFamily="34" charset="0"/>
+              </a:rPr>
+              <a:t>ther</a:t>
+            </a:r>
+            <a:endParaRPr lang="de-DE" b="1" dirty="0">
               <a:latin typeface="Arial" panose="020B0604020202020204" pitchFamily="34" charset="0"/>
               <a:cs typeface="Arial" panose="020B0604020202020204" pitchFamily="34" charset="0"/>
             </a:endParaRPr>
@@ -19092,22 +20156,19 @@
       </p:sp>
       <p:sp>
         <p:nvSpPr>
-          <p:cNvPr id="79" name="Textfeld 78"/>
+          <p:cNvPr id="101" name="Textfeld 100"/>
           <p:cNvSpPr txBox="1"/>
           <p:nvPr/>
         </p:nvSpPr>
         <p:spPr>
-          <a:xfrm>
-            <a:off x="16299965" y="27437445"/>
-            <a:ext cx="3863762" cy="338554"/>
+          <a:xfrm rot="586278">
+            <a:off x="26430751" y="31951516"/>
+            <a:ext cx="1499187" cy="369332"/>
           </a:xfrm>
           <a:prstGeom prst="rect">
             <a:avLst/>
           </a:prstGeom>
           <a:noFill/>
-          <a:ln w="3175">
-            <a:noFill/>
-          </a:ln>
         </p:spPr>
         <p:txBody>
           <a:bodyPr wrap="square" rtlCol="0">
@@ -19115,64 +20176,21 @@
           </a:bodyPr>
           <a:lstStyle/>
           <a:p>
-            <a:pPr algn="ctr"/>
-            <a:r>
-              <a:rPr lang="de-DE" sz="1600" dirty="0" err="1">
-                <a:latin typeface="Arial" panose="020B0604020202020204" pitchFamily="34" charset="0"/>
-                <a:cs typeface="Arial" panose="020B0604020202020204" pitchFamily="34" charset="0"/>
-              </a:rPr>
-              <a:t>o</a:t>
-            </a:r>
-            <a:r>
-              <a:rPr lang="de-DE" sz="1600" dirty="0" err="1" smtClean="0">
-                <a:latin typeface="Arial" panose="020B0604020202020204" pitchFamily="34" charset="0"/>
-                <a:cs typeface="Arial" panose="020B0604020202020204" pitchFamily="34" charset="0"/>
-              </a:rPr>
-              <a:t>wn</a:t>
-            </a:r>
-            <a:r>
-              <a:rPr lang="de-DE" sz="1600" dirty="0" smtClean="0">
-                <a:latin typeface="Arial" panose="020B0604020202020204" pitchFamily="34" charset="0"/>
-                <a:cs typeface="Arial" panose="020B0604020202020204" pitchFamily="34" charset="0"/>
-              </a:rPr>
-              <a:t> </a:t>
-            </a:r>
-            <a:r>
-              <a:rPr lang="de-DE" sz="1600" dirty="0" err="1" smtClean="0">
-                <a:latin typeface="Arial" panose="020B0604020202020204" pitchFamily="34" charset="0"/>
-                <a:cs typeface="Arial" panose="020B0604020202020204" pitchFamily="34" charset="0"/>
-              </a:rPr>
-              <a:t>depiction</a:t>
-            </a:r>
-            <a:r>
-              <a:rPr lang="de-DE" sz="1600" dirty="0" smtClean="0">
-                <a:latin typeface="Arial" panose="020B0604020202020204" pitchFamily="34" charset="0"/>
-                <a:cs typeface="Arial" panose="020B0604020202020204" pitchFamily="34" charset="0"/>
-              </a:rPr>
-              <a:t> </a:t>
-            </a:r>
-            <a:r>
-              <a:rPr lang="de-DE" sz="1600" dirty="0" err="1" smtClean="0">
-                <a:latin typeface="Arial" panose="020B0604020202020204" pitchFamily="34" charset="0"/>
-                <a:cs typeface="Arial" panose="020B0604020202020204" pitchFamily="34" charset="0"/>
-              </a:rPr>
-              <a:t>based</a:t>
-            </a:r>
-            <a:r>
-              <a:rPr lang="de-DE" sz="1600" dirty="0" smtClean="0">
-                <a:latin typeface="Arial" panose="020B0604020202020204" pitchFamily="34" charset="0"/>
-                <a:cs typeface="Arial" panose="020B0604020202020204" pitchFamily="34" charset="0"/>
-              </a:rPr>
-              <a:t> on </a:t>
-            </a:r>
-            <a:r>
-              <a:rPr lang="de-DE" sz="1600" i="1" dirty="0" smtClean="0">
-                <a:latin typeface="Arial" panose="020B0604020202020204" pitchFamily="34" charset="0"/>
-                <a:cs typeface="Arial" panose="020B0604020202020204" pitchFamily="34" charset="0"/>
-              </a:rPr>
-              <a:t>UNCTAD 2019</a:t>
-            </a:r>
-            <a:endParaRPr lang="de-DE" sz="1600" i="1" dirty="0">
+            <a:r>
+              <a:rPr lang="de-DE" b="1" dirty="0" err="1">
+                <a:latin typeface="Arial" panose="020B0604020202020204" pitchFamily="34" charset="0"/>
+                <a:cs typeface="Arial" panose="020B0604020202020204" pitchFamily="34" charset="0"/>
+              </a:rPr>
+              <a:t>S</a:t>
+            </a:r>
+            <a:r>
+              <a:rPr lang="de-DE" b="1" dirty="0" err="1" smtClean="0">
+                <a:latin typeface="Arial" panose="020B0604020202020204" pitchFamily="34" charset="0"/>
+                <a:cs typeface="Arial" panose="020B0604020202020204" pitchFamily="34" charset="0"/>
+              </a:rPr>
+              <a:t>eaports</a:t>
+            </a:r>
+            <a:endParaRPr lang="de-DE" b="1" dirty="0">
               <a:latin typeface="Arial" panose="020B0604020202020204" pitchFamily="34" charset="0"/>
               <a:cs typeface="Arial" panose="020B0604020202020204" pitchFamily="34" charset="0"/>
             </a:endParaRPr>
@@ -19181,22 +20199,19 @@
       </p:sp>
       <p:sp>
         <p:nvSpPr>
-          <p:cNvPr id="80" name="Textfeld 79"/>
+          <p:cNvPr id="102" name="Textfeld 101"/>
           <p:cNvSpPr txBox="1"/>
           <p:nvPr/>
         </p:nvSpPr>
         <p:spPr>
-          <a:xfrm>
-            <a:off x="6342774" y="27415821"/>
-            <a:ext cx="3863762" cy="338554"/>
+          <a:xfrm rot="2185428">
+            <a:off x="28273220" y="32724359"/>
+            <a:ext cx="1499187" cy="369332"/>
           </a:xfrm>
           <a:prstGeom prst="rect">
             <a:avLst/>
           </a:prstGeom>
           <a:noFill/>
-          <a:ln w="3175">
-            <a:noFill/>
-          </a:ln>
         </p:spPr>
         <p:txBody>
           <a:bodyPr wrap="square" rtlCol="0">
@@ -19204,160 +20219,14 @@
           </a:bodyPr>
           <a:lstStyle/>
           <a:p>
-            <a:pPr algn="ctr"/>
-            <a:r>
-              <a:rPr lang="de-DE" sz="1600" dirty="0" err="1">
-                <a:latin typeface="Arial" panose="020B0604020202020204" pitchFamily="34" charset="0"/>
-                <a:cs typeface="Arial" panose="020B0604020202020204" pitchFamily="34" charset="0"/>
-              </a:rPr>
-              <a:t>o</a:t>
-            </a:r>
-            <a:r>
-              <a:rPr lang="de-DE" sz="1600" dirty="0" err="1" smtClean="0">
-                <a:latin typeface="Arial" panose="020B0604020202020204" pitchFamily="34" charset="0"/>
-                <a:cs typeface="Arial" panose="020B0604020202020204" pitchFamily="34" charset="0"/>
-              </a:rPr>
-              <a:t>wn</a:t>
-            </a:r>
-            <a:r>
-              <a:rPr lang="de-DE" sz="1600" dirty="0" smtClean="0">
-                <a:latin typeface="Arial" panose="020B0604020202020204" pitchFamily="34" charset="0"/>
-                <a:cs typeface="Arial" panose="020B0604020202020204" pitchFamily="34" charset="0"/>
-              </a:rPr>
-              <a:t> </a:t>
-            </a:r>
-            <a:r>
-              <a:rPr lang="de-DE" sz="1600" dirty="0" err="1" smtClean="0">
-                <a:latin typeface="Arial" panose="020B0604020202020204" pitchFamily="34" charset="0"/>
-                <a:cs typeface="Arial" panose="020B0604020202020204" pitchFamily="34" charset="0"/>
-              </a:rPr>
-              <a:t>depiction</a:t>
-            </a:r>
-            <a:r>
-              <a:rPr lang="de-DE" sz="1600" dirty="0" smtClean="0">
-                <a:latin typeface="Arial" panose="020B0604020202020204" pitchFamily="34" charset="0"/>
-                <a:cs typeface="Arial" panose="020B0604020202020204" pitchFamily="34" charset="0"/>
-              </a:rPr>
-              <a:t> </a:t>
-            </a:r>
-            <a:r>
-              <a:rPr lang="de-DE" sz="1600" dirty="0" err="1" smtClean="0">
-                <a:latin typeface="Arial" panose="020B0604020202020204" pitchFamily="34" charset="0"/>
-                <a:cs typeface="Arial" panose="020B0604020202020204" pitchFamily="34" charset="0"/>
-              </a:rPr>
-              <a:t>based</a:t>
-            </a:r>
-            <a:r>
-              <a:rPr lang="de-DE" sz="1600" dirty="0" smtClean="0">
-                <a:latin typeface="Arial" panose="020B0604020202020204" pitchFamily="34" charset="0"/>
-                <a:cs typeface="Arial" panose="020B0604020202020204" pitchFamily="34" charset="0"/>
-              </a:rPr>
-              <a:t> on </a:t>
-            </a:r>
-            <a:r>
-              <a:rPr lang="de-DE" sz="1600" i="1" dirty="0" smtClean="0">
-                <a:latin typeface="Arial" panose="020B0604020202020204" pitchFamily="34" charset="0"/>
-                <a:cs typeface="Arial" panose="020B0604020202020204" pitchFamily="34" charset="0"/>
-              </a:rPr>
-              <a:t>UNCTAD 2019</a:t>
-            </a:r>
-            <a:endParaRPr lang="de-DE" sz="1600" i="1" dirty="0">
-              <a:latin typeface="Arial" panose="020B0604020202020204" pitchFamily="34" charset="0"/>
-              <a:cs typeface="Arial" panose="020B0604020202020204" pitchFamily="34" charset="0"/>
-            </a:endParaRPr>
-          </a:p>
-        </p:txBody>
-      </p:sp>
-      <p:sp>
-        <p:nvSpPr>
-          <p:cNvPr id="81" name="Textfeld 80"/>
-          <p:cNvSpPr txBox="1"/>
-          <p:nvPr/>
-        </p:nvSpPr>
-        <p:spPr>
-          <a:xfrm>
-            <a:off x="23947199" y="18904812"/>
-            <a:ext cx="6165363" cy="338554"/>
-          </a:xfrm>
-          <a:prstGeom prst="rect">
-            <a:avLst/>
-          </a:prstGeom>
-          <a:noFill/>
-          <a:ln w="3175">
-            <a:noFill/>
-          </a:ln>
-        </p:spPr>
-        <p:txBody>
-          <a:bodyPr wrap="square" rtlCol="0">
-            <a:spAutoFit/>
-          </a:bodyPr>
-          <a:lstStyle/>
-          <a:p>
-            <a:pPr algn="ctr"/>
-            <a:r>
-              <a:rPr lang="de-DE" sz="1600" dirty="0" err="1">
-                <a:latin typeface="Arial" panose="020B0604020202020204" pitchFamily="34" charset="0"/>
-                <a:cs typeface="Arial" panose="020B0604020202020204" pitchFamily="34" charset="0"/>
-              </a:rPr>
-              <a:t>o</a:t>
-            </a:r>
-            <a:r>
-              <a:rPr lang="de-DE" sz="1600" dirty="0" err="1" smtClean="0">
-                <a:latin typeface="Arial" panose="020B0604020202020204" pitchFamily="34" charset="0"/>
-                <a:cs typeface="Arial" panose="020B0604020202020204" pitchFamily="34" charset="0"/>
-              </a:rPr>
-              <a:t>wn</a:t>
-            </a:r>
-            <a:r>
-              <a:rPr lang="de-DE" sz="1600" dirty="0" smtClean="0">
-                <a:latin typeface="Arial" panose="020B0604020202020204" pitchFamily="34" charset="0"/>
-                <a:cs typeface="Arial" panose="020B0604020202020204" pitchFamily="34" charset="0"/>
-              </a:rPr>
-              <a:t> </a:t>
-            </a:r>
-            <a:r>
-              <a:rPr lang="de-DE" sz="1600" dirty="0" err="1" smtClean="0">
-                <a:latin typeface="Arial" panose="020B0604020202020204" pitchFamily="34" charset="0"/>
-                <a:cs typeface="Arial" panose="020B0604020202020204" pitchFamily="34" charset="0"/>
-              </a:rPr>
-              <a:t>depiction</a:t>
-            </a:r>
-            <a:r>
-              <a:rPr lang="de-DE" sz="1600" dirty="0" smtClean="0">
-                <a:latin typeface="Arial" panose="020B0604020202020204" pitchFamily="34" charset="0"/>
-                <a:cs typeface="Arial" panose="020B0604020202020204" pitchFamily="34" charset="0"/>
-              </a:rPr>
-              <a:t> </a:t>
-            </a:r>
-            <a:r>
-              <a:rPr lang="de-DE" sz="1600" dirty="0" err="1" smtClean="0">
-                <a:latin typeface="Arial" panose="020B0604020202020204" pitchFamily="34" charset="0"/>
-                <a:cs typeface="Arial" panose="020B0604020202020204" pitchFamily="34" charset="0"/>
-              </a:rPr>
-              <a:t>based</a:t>
-            </a:r>
-            <a:r>
-              <a:rPr lang="de-DE" sz="1600" dirty="0" smtClean="0">
-                <a:latin typeface="Arial" panose="020B0604020202020204" pitchFamily="34" charset="0"/>
-                <a:cs typeface="Arial" panose="020B0604020202020204" pitchFamily="34" charset="0"/>
-              </a:rPr>
-              <a:t> on </a:t>
-            </a:r>
-            <a:r>
-              <a:rPr lang="de-DE" sz="1600" i="1" dirty="0" err="1" smtClean="0">
-                <a:latin typeface="Arial" panose="020B0604020202020204" pitchFamily="34" charset="0"/>
-                <a:cs typeface="Arial" panose="020B0604020202020204" pitchFamily="34" charset="0"/>
-              </a:rPr>
-              <a:t>Nentwig</a:t>
-            </a:r>
-            <a:r>
-              <a:rPr lang="de-DE" sz="1600" i="1" dirty="0" smtClean="0">
-                <a:latin typeface="Arial" panose="020B0604020202020204" pitchFamily="34" charset="0"/>
-                <a:cs typeface="Arial" panose="020B0604020202020204" pitchFamily="34" charset="0"/>
-              </a:rPr>
-              <a:t> 2010 &amp; Klingenstein et al. 2005</a:t>
-            </a:r>
-            <a:endParaRPr lang="de-DE" sz="1600" i="1" dirty="0">
+            <a:r>
+              <a:rPr lang="de-DE" b="1" dirty="0" smtClean="0">
+                <a:latin typeface="Arial" panose="020B0604020202020204" pitchFamily="34" charset="0"/>
+                <a:cs typeface="Arial" panose="020B0604020202020204" pitchFamily="34" charset="0"/>
+              </a:rPr>
+              <a:t>Airports</a:t>
+            </a:r>
+            <a:endParaRPr lang="de-DE" b="1" dirty="0">
               <a:latin typeface="Arial" panose="020B0604020202020204" pitchFamily="34" charset="0"/>
               <a:cs typeface="Arial" panose="020B0604020202020204" pitchFamily="34" charset="0"/>
             </a:endParaRPr>
@@ -19374,6 +20243,13 @@
   <p:clrMapOvr>
     <a:masterClrMapping/>
   </p:clrMapOvr>
+  <p:timing>
+    <p:tnLst>
+      <p:par>
+        <p:cTn id="1" dur="indefinite" restart="never" nodeType="tmRoot"/>
+      </p:par>
+    </p:tnLst>
+  </p:timing>
 </p:sld>
 </file>
 

--- a/003_poster/Invasive_Species_V030219.pptx
+++ b/003_poster/Invasive_Species_V030219.pptx
@@ -109,7 +109,7 @@
   </p:defaultTextStyle>
   <p:extLst>
     <p:ext uri="{EFAFB233-063F-42B5-8137-9DF3F51BA10A}">
-      <p15:sldGuideLst xmlns:p15="http://schemas.microsoft.com/office/powerpoint/2012/main">
+      <p15:sldGuideLst xmlns:p15="http://schemas.microsoft.com/office/powerpoint/2012/main" xmlns="">
         <p15:guide id="1" orient="horz" pos="26500" userDrawn="1">
           <p15:clr>
             <a:srgbClr val="A4A3A4"/>
@@ -148,21 +148,10 @@
 
 <file path=ppt/charts/chart1.xml><?xml version="1.0" encoding="utf-8"?>
 <c:chartSpace xmlns:c="http://schemas.openxmlformats.org/drawingml/2006/chart" xmlns:a="http://schemas.openxmlformats.org/drawingml/2006/main" xmlns:r="http://schemas.openxmlformats.org/officeDocument/2006/relationships">
-  <c:date1904 val="0"/>
   <c:lang val="de-DE"/>
-  <c:roundedCorners val="0"/>
-  <mc:AlternateContent xmlns:mc="http://schemas.openxmlformats.org/markup-compatibility/2006">
-    <mc:Choice xmlns:c14="http://schemas.microsoft.com/office/drawing/2007/8/2/chart" Requires="c14">
-      <c14:style val="102"/>
-    </mc:Choice>
-    <mc:Fallback>
-      <c:style val="2"/>
-    </mc:Fallback>
-  </mc:AlternateContent>
   <c:chart>
     <c:title>
       <c:layout/>
-      <c:overlay val="0"/>
       <c:spPr>
         <a:noFill/>
         <a:ln>
@@ -197,12 +186,10 @@
         </a:p>
       </c:txPr>
     </c:title>
-    <c:autoTitleDeleted val="0"/>
     <c:plotArea>
       <c:layout/>
       <c:lineChart>
         <c:grouping val="standard"/>
-        <c:varyColors val="0"/>
         <c:ser>
           <c:idx val="0"/>
           <c:order val="0"/>
@@ -276,30 +263,20 @@
               </c:numCache>
             </c:numRef>
           </c:val>
-          <c:smooth val="0"/>
         </c:ser>
-        <c:dLbls>
-          <c:showLegendKey val="0"/>
-          <c:showVal val="0"/>
-          <c:showCatName val="0"/>
-          <c:showSerName val="0"/>
-          <c:showPercent val="0"/>
-          <c:showBubbleSize val="0"/>
-        </c:dLbls>
-        <c:smooth val="0"/>
-        <c:axId val="-458432496"/>
-        <c:axId val="-458437392"/>
+        <c:dLbls/>
+        <c:marker val="1"/>
+        <c:axId val="52145152"/>
+        <c:axId val="111874816"/>
       </c:lineChart>
       <c:catAx>
-        <c:axId val="-458432496"/>
+        <c:axId val="52145152"/>
         <c:scaling>
           <c:orientation val="minMax"/>
         </c:scaling>
-        <c:delete val="0"/>
         <c:axPos val="b"/>
         <c:numFmt formatCode="General" sourceLinked="1"/>
         <c:majorTickMark val="none"/>
-        <c:minorTickMark val="none"/>
         <c:tickLblPos val="nextTo"/>
         <c:spPr>
           <a:noFill/>
@@ -333,19 +310,17 @@
             <a:endParaRPr lang="de-DE"/>
           </a:p>
         </c:txPr>
-        <c:crossAx val="-458437392"/>
+        <c:crossAx val="111874816"/>
         <c:crosses val="autoZero"/>
         <c:auto val="1"/>
         <c:lblAlgn val="ctr"/>
         <c:lblOffset val="100"/>
-        <c:noMultiLvlLbl val="0"/>
       </c:catAx>
       <c:valAx>
-        <c:axId val="-458437392"/>
+        <c:axId val="111874816"/>
         <c:scaling>
           <c:orientation val="minMax"/>
         </c:scaling>
-        <c:delete val="0"/>
         <c:axPos val="l"/>
         <c:majorGridlines>
           <c:spPr>
@@ -363,7 +338,6 @@
         </c:majorGridlines>
         <c:numFmt formatCode="General" sourceLinked="1"/>
         <c:majorTickMark val="none"/>
-        <c:minorTickMark val="none"/>
         <c:tickLblPos val="nextTo"/>
         <c:spPr>
           <a:noFill/>
@@ -391,7 +365,7 @@
             <a:endParaRPr lang="de-DE"/>
           </a:p>
         </c:txPr>
-        <c:crossAx val="-458432496"/>
+        <c:crossAx val="52145152"/>
         <c:crosses val="autoZero"/>
         <c:crossBetween val="between"/>
       </c:valAx>
@@ -428,7 +402,6 @@
         </c:txPr>
       </c:legendEntry>
       <c:layout/>
-      <c:overlay val="0"/>
       <c:spPr>
         <a:noFill/>
         <a:ln>
@@ -458,7 +431,6 @@
     </c:legend>
     <c:plotVisOnly val="1"/>
     <c:dispBlanksAs val="gap"/>
-    <c:showDLblsOverMax val="0"/>
   </c:chart>
   <c:spPr>
     <a:gradFill flip="none" rotWithShape="1">
@@ -496,25 +468,13 @@
       <a:endParaRPr lang="de-DE"/>
     </a:p>
   </c:txPr>
-  <c:externalData r:id="rId3">
-    <c:autoUpdate val="0"/>
-  </c:externalData>
+  <c:externalData r:id="rId1"/>
 </c:chartSpace>
 </file>
 
 <file path=ppt/charts/chart2.xml><?xml version="1.0" encoding="utf-8"?>
 <c:chartSpace xmlns:c="http://schemas.openxmlformats.org/drawingml/2006/chart" xmlns:a="http://schemas.openxmlformats.org/drawingml/2006/main" xmlns:r="http://schemas.openxmlformats.org/officeDocument/2006/relationships">
-  <c:date1904 val="0"/>
   <c:lang val="de-DE"/>
-  <c:roundedCorners val="0"/>
-  <mc:AlternateContent xmlns:mc="http://schemas.openxmlformats.org/markup-compatibility/2006">
-    <mc:Choice xmlns:c14="http://schemas.microsoft.com/office/drawing/2007/8/2/chart" Requires="c14">
-      <c14:style val="102"/>
-    </mc:Choice>
-    <mc:Fallback>
-      <c:style val="2"/>
-    </mc:Fallback>
-  </mc:AlternateContent>
   <c:chart>
     <c:title>
       <c:tx>
@@ -552,7 +512,6 @@
         </c:rich>
       </c:tx>
       <c:layout/>
-      <c:overlay val="0"/>
       <c:spPr>
         <a:noFill/>
         <a:ln>
@@ -560,39 +519,11 @@
         </a:ln>
         <a:effectLst/>
       </c:spPr>
-      <c:txPr>
-        <a:bodyPr rot="0" spcFirstLastPara="1" vertOverflow="ellipsis" vert="horz" wrap="square" anchor="ctr" anchorCtr="1"/>
-        <a:lstStyle/>
-        <a:p>
-          <a:pPr>
-            <a:defRPr sz="2128" b="1" i="0" u="none" strike="noStrike" kern="1200" spc="100" baseline="0">
-              <a:solidFill>
-                <a:schemeClr val="lt1">
-                  <a:lumMod val="95000"/>
-                </a:schemeClr>
-              </a:solidFill>
-              <a:effectLst>
-                <a:outerShdw blurRad="50800" dist="38100" dir="5400000" algn="t" rotWithShape="0">
-                  <a:prstClr val="black">
-                    <a:alpha val="40000"/>
-                  </a:prstClr>
-                </a:outerShdw>
-              </a:effectLst>
-              <a:latin typeface="Arial" panose="020B0604020202020204" pitchFamily="34" charset="0"/>
-              <a:ea typeface="+mn-ea"/>
-              <a:cs typeface="Arial" panose="020B0604020202020204" pitchFamily="34" charset="0"/>
-            </a:defRPr>
-          </a:pPr>
-          <a:endParaRPr lang="de-DE"/>
-        </a:p>
-      </c:txPr>
     </c:title>
-    <c:autoTitleDeleted val="0"/>
     <c:plotArea>
       <c:layout/>
       <c:lineChart>
         <c:grouping val="standard"/>
-        <c:varyColors val="0"/>
         <c:ser>
           <c:idx val="0"/>
           <c:order val="0"/>
@@ -896,13 +827,13 @@
                   <c:v>7878.2701500157</c:v>
                 </c:pt>
                 <c:pt idx="37">
-                  <c:v>8140.2421984381999</c:v>
+                  <c:v>8140.2421984382008</c:v>
                 </c:pt>
                 <c:pt idx="38">
-                  <c:v>8286.2872771324</c:v>
+                  <c:v>8286.2872771324037</c:v>
                 </c:pt>
                 <c:pt idx="39">
-                  <c:v>7831.9994533825002</c:v>
+                  <c:v>7831.9994533824993</c:v>
                 </c:pt>
                 <c:pt idx="40">
                   <c:v>8443.8322770244995</c:v>
@@ -917,44 +848,34 @@
                   <c:v>9500.1474880887999</c:v>
                 </c:pt>
                 <c:pt idx="44">
-                  <c:v>9836.0704683288004</c:v>
+                  <c:v>9836.0704683288022</c:v>
                 </c:pt>
                 <c:pt idx="45">
-                  <c:v>10016.3686313288</c:v>
+                  <c:v>10016.368631328798</c:v>
                 </c:pt>
                 <c:pt idx="46">
-                  <c:v>10279.8712619568</c:v>
+                  <c:v>10279.871261956801</c:v>
                 </c:pt>
                 <c:pt idx="47">
-                  <c:v>10665.9576168648</c:v>
+                  <c:v>10665.957616864798</c:v>
                 </c:pt>
               </c:numCache>
             </c:numRef>
           </c:val>
-          <c:smooth val="0"/>
         </c:ser>
-        <c:dLbls>
-          <c:showLegendKey val="0"/>
-          <c:showVal val="0"/>
-          <c:showCatName val="0"/>
-          <c:showSerName val="0"/>
-          <c:showPercent val="0"/>
-          <c:showBubbleSize val="0"/>
-        </c:dLbls>
-        <c:smooth val="0"/>
-        <c:axId val="-458431952"/>
-        <c:axId val="-458435760"/>
+        <c:dLbls/>
+        <c:marker val="1"/>
+        <c:axId val="57580928"/>
+        <c:axId val="57586816"/>
       </c:lineChart>
       <c:catAx>
-        <c:axId val="-458431952"/>
+        <c:axId val="57580928"/>
         <c:scaling>
           <c:orientation val="minMax"/>
         </c:scaling>
-        <c:delete val="0"/>
         <c:axPos val="b"/>
         <c:numFmt formatCode="General" sourceLinked="1"/>
         <c:majorTickMark val="none"/>
-        <c:minorTickMark val="none"/>
         <c:tickLblPos val="nextTo"/>
         <c:spPr>
           <a:noFill/>
@@ -988,21 +909,19 @@
             <a:endParaRPr lang="de-DE"/>
           </a:p>
         </c:txPr>
-        <c:crossAx val="-458435760"/>
+        <c:crossAx val="57586816"/>
         <c:crosses val="autoZero"/>
         <c:auto val="1"/>
         <c:lblAlgn val="ctr"/>
         <c:lblOffset val="100"/>
         <c:tickLblSkip val="2"/>
         <c:tickMarkSkip val="1"/>
-        <c:noMultiLvlLbl val="0"/>
       </c:catAx>
       <c:valAx>
-        <c:axId val="-458435760"/>
+        <c:axId val="57586816"/>
         <c:scaling>
           <c:orientation val="minMax"/>
         </c:scaling>
-        <c:delete val="0"/>
         <c:axPos val="l"/>
         <c:majorGridlines>
           <c:spPr>
@@ -1020,7 +939,6 @@
         </c:majorGridlines>
         <c:numFmt formatCode="General" sourceLinked="1"/>
         <c:majorTickMark val="none"/>
-        <c:minorTickMark val="none"/>
         <c:tickLblPos val="nextTo"/>
         <c:spPr>
           <a:noFill/>
@@ -1048,7 +966,7 @@
             <a:endParaRPr lang="de-DE"/>
           </a:p>
         </c:txPr>
-        <c:crossAx val="-458431952"/>
+        <c:crossAx val="57580928"/>
         <c:crosses val="autoZero"/>
         <c:crossBetween val="between"/>
       </c:valAx>
@@ -1063,7 +981,6 @@
     <c:legend>
       <c:legendPos val="b"/>
       <c:layout/>
-      <c:overlay val="0"/>
       <c:spPr>
         <a:noFill/>
         <a:ln>
@@ -1093,7 +1010,6 @@
     </c:legend>
     <c:plotVisOnly val="1"/>
     <c:dispBlanksAs val="gap"/>
-    <c:showDLblsOverMax val="0"/>
   </c:chart>
   <c:spPr>
     <a:gradFill flip="none" rotWithShape="1">
@@ -1131,25 +1047,13 @@
       <a:endParaRPr lang="de-DE"/>
     </a:p>
   </c:txPr>
-  <c:externalData r:id="rId3">
-    <c:autoUpdate val="0"/>
-  </c:externalData>
+  <c:externalData r:id="rId1"/>
 </c:chartSpace>
 </file>
 
 <file path=ppt/charts/chart3.xml><?xml version="1.0" encoding="utf-8"?>
 <c:chartSpace xmlns:c="http://schemas.openxmlformats.org/drawingml/2006/chart" xmlns:a="http://schemas.openxmlformats.org/drawingml/2006/main" xmlns:r="http://schemas.openxmlformats.org/officeDocument/2006/relationships">
-  <c:date1904 val="0"/>
   <c:lang val="de-DE"/>
-  <c:roundedCorners val="0"/>
-  <mc:AlternateContent xmlns:mc="http://schemas.openxmlformats.org/markup-compatibility/2006">
-    <mc:Choice xmlns:c14="http://schemas.microsoft.com/office/drawing/2007/8/2/chart" Requires="c14">
-      <c14:style val="102"/>
-    </mc:Choice>
-    <mc:Fallback>
-      <c:style val="2"/>
-    </mc:Fallback>
-  </mc:AlternateContent>
   <c:chart>
     <c:title>
       <c:tx>
@@ -1187,7 +1091,6 @@
         </c:rich>
       </c:tx>
       <c:layout/>
-      <c:overlay val="0"/>
       <c:spPr>
         <a:noFill/>
         <a:ln>
@@ -1195,39 +1098,11 @@
         </a:ln>
         <a:effectLst/>
       </c:spPr>
-      <c:txPr>
-        <a:bodyPr rot="0" spcFirstLastPara="1" vertOverflow="ellipsis" vert="horz" wrap="square" anchor="ctr" anchorCtr="1"/>
-        <a:lstStyle/>
-        <a:p>
-          <a:pPr>
-            <a:defRPr sz="2128" b="1" i="0" u="none" strike="noStrike" kern="1200" spc="100" baseline="0">
-              <a:solidFill>
-                <a:schemeClr val="lt1">
-                  <a:lumMod val="95000"/>
-                </a:schemeClr>
-              </a:solidFill>
-              <a:effectLst>
-                <a:outerShdw blurRad="50800" dist="38100" dir="5400000" algn="t" rotWithShape="0">
-                  <a:prstClr val="black">
-                    <a:alpha val="40000"/>
-                  </a:prstClr>
-                </a:outerShdw>
-              </a:effectLst>
-              <a:latin typeface="Arial" panose="020B0604020202020204" pitchFamily="34" charset="0"/>
-              <a:ea typeface="+mn-ea"/>
-              <a:cs typeface="Arial" panose="020B0604020202020204" pitchFamily="34" charset="0"/>
-            </a:defRPr>
-          </a:pPr>
-          <a:endParaRPr lang="de-DE"/>
-        </a:p>
-      </c:txPr>
     </c:title>
-    <c:autoTitleDeleted val="0"/>
     <c:plotArea>
       <c:layout/>
       <c:lineChart>
         <c:grouping val="standard"/>
-        <c:varyColors val="0"/>
         <c:ser>
           <c:idx val="0"/>
           <c:order val="0"/>
@@ -1522,19 +1397,19 @@
                   <c:v>2249728546</c:v>
                 </c:pt>
                 <c:pt idx="37">
-                  <c:v>2628261258.2099404</c:v>
+                  <c:v>2628261258.20994</c:v>
                 </c:pt>
                 <c:pt idx="38">
                   <c:v>2786953830.1820688</c:v>
                 </c:pt>
                 <c:pt idx="39">
-                  <c:v>2894054971.5648875</c:v>
+                  <c:v>2894054971.564888</c:v>
                 </c:pt>
                 <c:pt idx="40">
-                  <c:v>3048275073.1726727</c:v>
+                  <c:v>3048275073.1726723</c:v>
                 </c:pt>
                 <c:pt idx="41">
-                  <c:v>3227291386.4758945</c:v>
+                  <c:v>3227291386.4758949</c:v>
                 </c:pt>
                 <c:pt idx="42">
                   <c:v>3466478485</c:v>
@@ -1548,30 +1423,20 @@
               </c:numCache>
             </c:numRef>
           </c:val>
-          <c:smooth val="0"/>
         </c:ser>
-        <c:dLbls>
-          <c:showLegendKey val="0"/>
-          <c:showVal val="0"/>
-          <c:showCatName val="0"/>
-          <c:showSerName val="0"/>
-          <c:showPercent val="0"/>
-          <c:showBubbleSize val="0"/>
-        </c:dLbls>
-        <c:smooth val="0"/>
-        <c:axId val="-458435216"/>
-        <c:axId val="-458433584"/>
+        <c:dLbls/>
+        <c:marker val="1"/>
+        <c:axId val="56960896"/>
+        <c:axId val="56962432"/>
       </c:lineChart>
       <c:catAx>
-        <c:axId val="-458435216"/>
+        <c:axId val="56960896"/>
         <c:scaling>
           <c:orientation val="minMax"/>
         </c:scaling>
-        <c:delete val="0"/>
         <c:axPos val="b"/>
         <c:numFmt formatCode="General" sourceLinked="1"/>
         <c:majorTickMark val="none"/>
-        <c:minorTickMark val="none"/>
         <c:tickLblPos val="nextTo"/>
         <c:spPr>
           <a:noFill/>
@@ -1605,23 +1470,21 @@
             <a:endParaRPr lang="de-DE"/>
           </a:p>
         </c:txPr>
-        <c:crossAx val="-458433584"/>
+        <c:crossAx val="56962432"/>
         <c:crosses val="autoZero"/>
         <c:auto val="1"/>
         <c:lblAlgn val="ctr"/>
         <c:lblOffset val="100"/>
         <c:tickLblSkip val="4"/>
         <c:tickMarkSkip val="1"/>
-        <c:noMultiLvlLbl val="0"/>
       </c:catAx>
       <c:valAx>
-        <c:axId val="-458433584"/>
+        <c:axId val="56962432"/>
         <c:scaling>
           <c:orientation val="minMax"/>
           <c:max val="4500000000"/>
           <c:min val="350000000"/>
         </c:scaling>
-        <c:delete val="0"/>
         <c:axPos val="l"/>
         <c:majorGridlines>
           <c:spPr>
@@ -1639,7 +1502,6 @@
         </c:majorGridlines>
         <c:numFmt formatCode="General" sourceLinked="1"/>
         <c:majorTickMark val="none"/>
-        <c:minorTickMark val="none"/>
         <c:tickLblPos val="nextTo"/>
         <c:spPr>
           <a:noFill/>
@@ -1667,7 +1529,7 @@
             <a:endParaRPr lang="de-DE"/>
           </a:p>
         </c:txPr>
-        <c:crossAx val="-458435216"/>
+        <c:crossAx val="56960896"/>
         <c:crosses val="autoZero"/>
         <c:crossBetween val="between"/>
         <c:dispUnits>
@@ -1685,7 +1547,6 @@
     <c:legend>
       <c:legendPos val="b"/>
       <c:layout/>
-      <c:overlay val="0"/>
       <c:spPr>
         <a:noFill/>
         <a:ln>
@@ -1715,7 +1576,6 @@
     </c:legend>
     <c:plotVisOnly val="1"/>
     <c:dispBlanksAs val="gap"/>
-    <c:showDLblsOverMax val="0"/>
   </c:chart>
   <c:spPr>
     <a:gradFill flip="none" rotWithShape="1">
@@ -1753,9 +1613,7 @@
       <a:endParaRPr lang="de-DE"/>
     </a:p>
   </c:txPr>
-  <c:externalData r:id="rId3">
-    <c:autoUpdate val="0"/>
-  </c:externalData>
+  <c:externalData r:id="rId1"/>
 </c:chartSpace>
 </file>
 
@@ -3449,7 +3307,8 @@
           <a:p>
             <a:fld id="{B4E5E1D8-3CD7-471E-8838-8690F0452FAB}" type="datetimeFigureOut">
               <a:rPr lang="de-DE" smtClean="0"/>
-              <a:t>03.02.2019</a:t>
+              <a:pPr/>
+              <a:t>04.02.2019</a:t>
             </a:fld>
             <a:endParaRPr lang="de-DE"/>
           </a:p>
@@ -3608,6 +3467,7 @@
           <a:p>
             <a:fld id="{D55E491B-561E-491B-901F-C60803D928D8}" type="slidenum">
               <a:rPr lang="de-DE" smtClean="0"/>
+              <a:pPr/>
               <a:t>‹Nr.›</a:t>
             </a:fld>
             <a:endParaRPr lang="de-DE"/>
@@ -3617,7 +3477,7 @@
     </p:spTree>
     <p:extLst>
       <p:ext uri="{BB962C8B-B14F-4D97-AF65-F5344CB8AC3E}">
-        <p14:creationId xmlns:p14="http://schemas.microsoft.com/office/powerpoint/2010/main" val="3679785771"/>
+        <p14:creationId xmlns:p14="http://schemas.microsoft.com/office/powerpoint/2010/main" xmlns="" val="3679785771"/>
       </p:ext>
     </p:extLst>
   </p:cSld>
@@ -3849,7 +3709,7 @@
             <a:fld id="{FD243E5D-9ACC-4472-9DF0-818B9D4AE99C}" type="datetimeFigureOut">
               <a:rPr lang="de-DE" smtClean="0"/>
               <a:pPr/>
-              <a:t>03.02.2019</a:t>
+              <a:t>04.02.2019</a:t>
             </a:fld>
             <a:endParaRPr lang="de-DE"/>
           </a:p>
@@ -3901,7 +3761,7 @@
     </p:spTree>
     <p:extLst>
       <p:ext uri="{BB962C8B-B14F-4D97-AF65-F5344CB8AC3E}">
-        <p14:creationId xmlns:p14="http://schemas.microsoft.com/office/powerpoint/2010/main" val="2067393994"/>
+        <p14:creationId xmlns:p14="http://schemas.microsoft.com/office/powerpoint/2010/main" xmlns="" val="2067393994"/>
       </p:ext>
     </p:extLst>
   </p:cSld>
@@ -4021,7 +3881,7 @@
             <a:fld id="{FD243E5D-9ACC-4472-9DF0-818B9D4AE99C}" type="datetimeFigureOut">
               <a:rPr lang="de-DE" smtClean="0"/>
               <a:pPr/>
-              <a:t>03.02.2019</a:t>
+              <a:t>04.02.2019</a:t>
             </a:fld>
             <a:endParaRPr lang="de-DE"/>
           </a:p>
@@ -4073,7 +3933,7 @@
     </p:spTree>
     <p:extLst>
       <p:ext uri="{BB962C8B-B14F-4D97-AF65-F5344CB8AC3E}">
-        <p14:creationId xmlns:p14="http://schemas.microsoft.com/office/powerpoint/2010/main" val="1539779651"/>
+        <p14:creationId xmlns:p14="http://schemas.microsoft.com/office/powerpoint/2010/main" xmlns="" val="1539779651"/>
       </p:ext>
     </p:extLst>
   </p:cSld>
@@ -4203,7 +4063,7 @@
             <a:fld id="{FD243E5D-9ACC-4472-9DF0-818B9D4AE99C}" type="datetimeFigureOut">
               <a:rPr lang="de-DE" smtClean="0"/>
               <a:pPr/>
-              <a:t>03.02.2019</a:t>
+              <a:t>04.02.2019</a:t>
             </a:fld>
             <a:endParaRPr lang="de-DE"/>
           </a:p>
@@ -4255,7 +4115,7 @@
     </p:spTree>
     <p:extLst>
       <p:ext uri="{BB962C8B-B14F-4D97-AF65-F5344CB8AC3E}">
-        <p14:creationId xmlns:p14="http://schemas.microsoft.com/office/powerpoint/2010/main" val="2520127732"/>
+        <p14:creationId xmlns:p14="http://schemas.microsoft.com/office/powerpoint/2010/main" xmlns="" val="2520127732"/>
       </p:ext>
     </p:extLst>
   </p:cSld>
@@ -4375,7 +4235,7 @@
             <a:fld id="{FD243E5D-9ACC-4472-9DF0-818B9D4AE99C}" type="datetimeFigureOut">
               <a:rPr lang="de-DE" smtClean="0"/>
               <a:pPr/>
-              <a:t>03.02.2019</a:t>
+              <a:t>04.02.2019</a:t>
             </a:fld>
             <a:endParaRPr lang="de-DE"/>
           </a:p>
@@ -4427,7 +4287,7 @@
     </p:spTree>
     <p:extLst>
       <p:ext uri="{BB962C8B-B14F-4D97-AF65-F5344CB8AC3E}">
-        <p14:creationId xmlns:p14="http://schemas.microsoft.com/office/powerpoint/2010/main" val="3737118543"/>
+        <p14:creationId xmlns:p14="http://schemas.microsoft.com/office/powerpoint/2010/main" xmlns="" val="3737118543"/>
       </p:ext>
     </p:extLst>
   </p:cSld>
@@ -4621,7 +4481,7 @@
             <a:fld id="{FD243E5D-9ACC-4472-9DF0-818B9D4AE99C}" type="datetimeFigureOut">
               <a:rPr lang="de-DE" smtClean="0"/>
               <a:pPr/>
-              <a:t>03.02.2019</a:t>
+              <a:t>04.02.2019</a:t>
             </a:fld>
             <a:endParaRPr lang="de-DE"/>
           </a:p>
@@ -4673,7 +4533,7 @@
     </p:spTree>
     <p:extLst>
       <p:ext uri="{BB962C8B-B14F-4D97-AF65-F5344CB8AC3E}">
-        <p14:creationId xmlns:p14="http://schemas.microsoft.com/office/powerpoint/2010/main" val="1868366343"/>
+        <p14:creationId xmlns:p14="http://schemas.microsoft.com/office/powerpoint/2010/main" xmlns="" val="1868366343"/>
       </p:ext>
     </p:extLst>
   </p:cSld>
@@ -4855,7 +4715,7 @@
             <a:fld id="{FD243E5D-9ACC-4472-9DF0-818B9D4AE99C}" type="datetimeFigureOut">
               <a:rPr lang="de-DE" smtClean="0"/>
               <a:pPr/>
-              <a:t>03.02.2019</a:t>
+              <a:t>04.02.2019</a:t>
             </a:fld>
             <a:endParaRPr lang="de-DE"/>
           </a:p>
@@ -4907,7 +4767,7 @@
     </p:spTree>
     <p:extLst>
       <p:ext uri="{BB962C8B-B14F-4D97-AF65-F5344CB8AC3E}">
-        <p14:creationId xmlns:p14="http://schemas.microsoft.com/office/powerpoint/2010/main" val="3166666582"/>
+        <p14:creationId xmlns:p14="http://schemas.microsoft.com/office/powerpoint/2010/main" xmlns="" val="3166666582"/>
       </p:ext>
     </p:extLst>
   </p:cSld>
@@ -5224,7 +5084,7 @@
             <a:fld id="{FD243E5D-9ACC-4472-9DF0-818B9D4AE99C}" type="datetimeFigureOut">
               <a:rPr lang="de-DE" smtClean="0"/>
               <a:pPr/>
-              <a:t>03.02.2019</a:t>
+              <a:t>04.02.2019</a:t>
             </a:fld>
             <a:endParaRPr lang="de-DE"/>
           </a:p>
@@ -5276,7 +5136,7 @@
     </p:spTree>
     <p:extLst>
       <p:ext uri="{BB962C8B-B14F-4D97-AF65-F5344CB8AC3E}">
-        <p14:creationId xmlns:p14="http://schemas.microsoft.com/office/powerpoint/2010/main" val="412450708"/>
+        <p14:creationId xmlns:p14="http://schemas.microsoft.com/office/powerpoint/2010/main" xmlns="" val="412450708"/>
       </p:ext>
     </p:extLst>
   </p:cSld>
@@ -5344,7 +5204,7 @@
             <a:fld id="{FD243E5D-9ACC-4472-9DF0-818B9D4AE99C}" type="datetimeFigureOut">
               <a:rPr lang="de-DE" smtClean="0"/>
               <a:pPr/>
-              <a:t>03.02.2019</a:t>
+              <a:t>04.02.2019</a:t>
             </a:fld>
             <a:endParaRPr lang="de-DE"/>
           </a:p>
@@ -5396,7 +5256,7 @@
     </p:spTree>
     <p:extLst>
       <p:ext uri="{BB962C8B-B14F-4D97-AF65-F5344CB8AC3E}">
-        <p14:creationId xmlns:p14="http://schemas.microsoft.com/office/powerpoint/2010/main" val="4075061953"/>
+        <p14:creationId xmlns:p14="http://schemas.microsoft.com/office/powerpoint/2010/main" xmlns="" val="4075061953"/>
       </p:ext>
     </p:extLst>
   </p:cSld>
@@ -5441,7 +5301,7 @@
             <a:fld id="{FD243E5D-9ACC-4472-9DF0-818B9D4AE99C}" type="datetimeFigureOut">
               <a:rPr lang="de-DE" smtClean="0"/>
               <a:pPr/>
-              <a:t>03.02.2019</a:t>
+              <a:t>04.02.2019</a:t>
             </a:fld>
             <a:endParaRPr lang="de-DE"/>
           </a:p>
@@ -5493,7 +5353,7 @@
     </p:spTree>
     <p:extLst>
       <p:ext uri="{BB962C8B-B14F-4D97-AF65-F5344CB8AC3E}">
-        <p14:creationId xmlns:p14="http://schemas.microsoft.com/office/powerpoint/2010/main" val="2387623515"/>
+        <p14:creationId xmlns:p14="http://schemas.microsoft.com/office/powerpoint/2010/main" xmlns="" val="2387623515"/>
       </p:ext>
     </p:extLst>
   </p:cSld>
@@ -5720,7 +5580,7 @@
             <a:fld id="{FD243E5D-9ACC-4472-9DF0-818B9D4AE99C}" type="datetimeFigureOut">
               <a:rPr lang="de-DE" smtClean="0"/>
               <a:pPr/>
-              <a:t>03.02.2019</a:t>
+              <a:t>04.02.2019</a:t>
             </a:fld>
             <a:endParaRPr lang="de-DE"/>
           </a:p>
@@ -5772,7 +5632,7 @@
     </p:spTree>
     <p:extLst>
       <p:ext uri="{BB962C8B-B14F-4D97-AF65-F5344CB8AC3E}">
-        <p14:creationId xmlns:p14="http://schemas.microsoft.com/office/powerpoint/2010/main" val="3381573429"/>
+        <p14:creationId xmlns:p14="http://schemas.microsoft.com/office/powerpoint/2010/main" xmlns="" val="3381573429"/>
       </p:ext>
     </p:extLst>
   </p:cSld>
@@ -5979,7 +5839,7 @@
             <a:fld id="{FD243E5D-9ACC-4472-9DF0-818B9D4AE99C}" type="datetimeFigureOut">
               <a:rPr lang="de-DE" smtClean="0"/>
               <a:pPr/>
-              <a:t>03.02.2019</a:t>
+              <a:t>04.02.2019</a:t>
             </a:fld>
             <a:endParaRPr lang="de-DE"/>
           </a:p>
@@ -6031,7 +5891,7 @@
     </p:spTree>
     <p:extLst>
       <p:ext uri="{BB962C8B-B14F-4D97-AF65-F5344CB8AC3E}">
-        <p14:creationId xmlns:p14="http://schemas.microsoft.com/office/powerpoint/2010/main" val="1858254731"/>
+        <p14:creationId xmlns:p14="http://schemas.microsoft.com/office/powerpoint/2010/main" xmlns="" val="1858254731"/>
       </p:ext>
     </p:extLst>
   </p:cSld>
@@ -6194,7 +6054,7 @@
             <a:fld id="{FD243E5D-9ACC-4472-9DF0-818B9D4AE99C}" type="datetimeFigureOut">
               <a:rPr lang="de-DE" smtClean="0"/>
               <a:pPr/>
-              <a:t>03.02.2019</a:t>
+              <a:t>04.02.2019</a:t>
             </a:fld>
             <a:endParaRPr lang="de-DE"/>
           </a:p>
@@ -6282,7 +6142,7 @@
     </p:spTree>
     <p:extLst>
       <p:ext uri="{BB962C8B-B14F-4D97-AF65-F5344CB8AC3E}">
-        <p14:creationId xmlns:p14="http://schemas.microsoft.com/office/powerpoint/2010/main" val="1750275367"/>
+        <p14:creationId xmlns:p14="http://schemas.microsoft.com/office/powerpoint/2010/main" xmlns="" val="1750275367"/>
       </p:ext>
     </p:extLst>
   </p:cSld>
@@ -7006,7 +6866,7 @@
             <a:avLst/>
           </a:prstGeom>
           <a:blipFill dpi="0" rotWithShape="1">
-            <a:blip r:embed="rId2">
+            <a:blip r:embed="rId2" cstate="print">
               <a:alphaModFix amt="50000"/>
             </a:blip>
             <a:srcRect/>
@@ -7055,7 +6915,7 @@
             <a:avLst/>
           </a:prstGeom>
           <a:blipFill>
-            <a:blip r:embed="rId3">
+            <a:blip r:embed="rId3" cstate="print">
               <a:alphaModFix amt="50000"/>
             </a:blip>
             <a:stretch>
@@ -7726,14 +7586,7 @@
                 <a:latin typeface="Arial" panose="020B0604020202020204" pitchFamily="34" charset="0"/>
                 <a:cs typeface="Arial" panose="020B0604020202020204" pitchFamily="34" charset="0"/>
               </a:rPr>
-              <a:t> </a:t>
-            </a:r>
-            <a:r>
-              <a:rPr lang="de-DE" sz="2800" dirty="0" smtClean="0">
-                <a:latin typeface="Arial" panose="020B0604020202020204" pitchFamily="34" charset="0"/>
-                <a:cs typeface="Arial" panose="020B0604020202020204" pitchFamily="34" charset="0"/>
-              </a:rPr>
-              <a:t>90% </a:t>
+              <a:t> 90% </a:t>
             </a:r>
             <a:r>
               <a:rPr lang="de-DE" sz="2800" dirty="0" err="1" smtClean="0">
@@ -8268,7 +8121,7 @@
         <p:spPr>
           <a:xfrm>
             <a:off x="16365586" y="2577335"/>
-            <a:ext cx="13432844" cy="646331"/>
+            <a:ext cx="13750239" cy="646331"/>
           </a:xfrm>
           <a:prstGeom prst="rect">
             <a:avLst/>
@@ -8307,7 +8160,14 @@
                 <a:latin typeface="Calibri" panose="020F0502020204030204" pitchFamily="34" charset="0"/>
                 <a:cs typeface="Calibri" panose="020F0502020204030204" pitchFamily="34" charset="0"/>
               </a:rPr>
-              <a:t>| Alexander Schupp </a:t>
+              <a:t>| Alexander </a:t>
+            </a:r>
+            <a:r>
+              <a:rPr lang="de-DE" sz="3600" dirty="0" smtClean="0">
+                <a:latin typeface="Calibri" panose="020F0502020204030204" pitchFamily="34" charset="0"/>
+                <a:cs typeface="Calibri" panose="020F0502020204030204" pitchFamily="34" charset="0"/>
+              </a:rPr>
+              <a:t>Schupp | </a:t>
             </a:r>
             <a:r>
               <a:rPr lang="de-DE" sz="3600" dirty="0">
@@ -8402,7 +8262,7 @@
           <p:nvPr>
             <p:extLst>
               <p:ext uri="{D42A27DB-BD31-4B8C-83A1-F6EECF244321}">
-                <p14:modId xmlns:p14="http://schemas.microsoft.com/office/powerpoint/2010/main" val="1679796704"/>
+                <p14:modId xmlns:p14="http://schemas.microsoft.com/office/powerpoint/2010/main" xmlns="" val="1679796704"/>
               </p:ext>
             </p:extLst>
           </p:nvPr>
@@ -8424,7 +8284,7 @@
           <p:nvPr>
             <p:extLst>
               <p:ext uri="{D42A27DB-BD31-4B8C-83A1-F6EECF244321}">
-                <p14:modId xmlns:p14="http://schemas.microsoft.com/office/powerpoint/2010/main" val="2094009156"/>
+                <p14:modId xmlns:p14="http://schemas.microsoft.com/office/powerpoint/2010/main" xmlns="" val="2094009156"/>
               </p:ext>
             </p:extLst>
           </p:nvPr>
@@ -8446,7 +8306,7 @@
           <p:nvPr>
             <p:extLst>
               <p:ext uri="{D42A27DB-BD31-4B8C-83A1-F6EECF244321}">
-                <p14:modId xmlns:p14="http://schemas.microsoft.com/office/powerpoint/2010/main" val="1759228914"/>
+                <p14:modId xmlns:p14="http://schemas.microsoft.com/office/powerpoint/2010/main" xmlns="" val="1759228914"/>
               </p:ext>
             </p:extLst>
           </p:nvPr>
@@ -16638,7 +16498,7 @@
           <p:nvPr/>
         </p:nvPicPr>
         <p:blipFill>
-          <a:blip r:embed="rId7"/>
+          <a:blip r:embed="rId7" cstate="print"/>
           <a:stretch>
             <a:fillRect/>
           </a:stretch>
@@ -16662,7 +16522,7 @@
           <p:nvPr/>
         </p:nvPicPr>
         <p:blipFill>
-          <a:blip r:embed="rId8"/>
+          <a:blip r:embed="rId8" cstate="print"/>
           <a:stretch>
             <a:fillRect/>
           </a:stretch>
@@ -16686,7 +16546,7 @@
           <p:nvPr/>
         </p:nvPicPr>
         <p:blipFill>
-          <a:blip r:embed="rId9"/>
+          <a:blip r:embed="rId9" cstate="print"/>
           <a:stretch>
             <a:fillRect/>
           </a:stretch>
@@ -16710,7 +16570,7 @@
           <p:nvPr/>
         </p:nvPicPr>
         <p:blipFill>
-          <a:blip r:embed="rId10"/>
+          <a:blip r:embed="rId10" cstate="print"/>
           <a:stretch>
             <a:fillRect/>
           </a:stretch>
@@ -18494,10 +18354,10 @@
           <p:nvPr/>
         </p:nvPicPr>
         <p:blipFill>
-          <a:blip r:embed="rId11">
+          <a:blip r:embed="rId11" cstate="print">
             <a:extLst>
               <a:ext uri="{28A0092B-C50C-407E-A947-70E740481C1C}">
-                <a14:useLocalDpi xmlns:a14="http://schemas.microsoft.com/office/drawing/2010/main" val="0"/>
+                <a14:useLocalDpi xmlns:a14="http://schemas.microsoft.com/office/drawing/2010/main" xmlns="" val="0"/>
               </a:ext>
             </a:extLst>
           </a:blip>
@@ -18534,10 +18394,10 @@
           <p:nvPr/>
         </p:nvPicPr>
         <p:blipFill>
-          <a:blip r:embed="rId12">
+          <a:blip r:embed="rId12" cstate="print">
             <a:extLst>
               <a:ext uri="{28A0092B-C50C-407E-A947-70E740481C1C}">
-                <a14:useLocalDpi xmlns:a14="http://schemas.microsoft.com/office/drawing/2010/main" val="0"/>
+                <a14:useLocalDpi xmlns:a14="http://schemas.microsoft.com/office/drawing/2010/main" xmlns="" val="0"/>
               </a:ext>
             </a:extLst>
           </a:blip>
@@ -18574,10 +18434,10 @@
           <p:nvPr/>
         </p:nvPicPr>
         <p:blipFill>
-          <a:blip r:embed="rId13">
+          <a:blip r:embed="rId13" cstate="print">
             <a:extLst>
               <a:ext uri="{28A0092B-C50C-407E-A947-70E740481C1C}">
-                <a14:useLocalDpi xmlns:a14="http://schemas.microsoft.com/office/drawing/2010/main" val="0"/>
+                <a14:useLocalDpi xmlns:a14="http://schemas.microsoft.com/office/drawing/2010/main" xmlns="" val="0"/>
               </a:ext>
             </a:extLst>
           </a:blip>
@@ -19054,7 +18914,7 @@
           <p:nvPr/>
         </p:nvPicPr>
         <p:blipFill>
-          <a:blip r:embed="rId14"/>
+          <a:blip r:embed="rId14" cstate="print"/>
           <a:stretch>
             <a:fillRect/>
           </a:stretch>
@@ -19977,7 +19837,7 @@
           <p:nvPr/>
         </p:nvPicPr>
         <p:blipFill>
-          <a:blip r:embed="rId15"/>
+          <a:blip r:embed="rId15" cstate="print"/>
           <a:srcRect l="26048" t="14919" r="26219" b="15306"/>
           <a:stretch>
             <a:fillRect/>
@@ -20236,7 +20096,7 @@
     </p:spTree>
     <p:extLst>
       <p:ext uri="{BB962C8B-B14F-4D97-AF65-F5344CB8AC3E}">
-        <p14:creationId xmlns:p14="http://schemas.microsoft.com/office/powerpoint/2010/main" val="2150636527"/>
+        <p14:creationId xmlns:p14="http://schemas.microsoft.com/office/powerpoint/2010/main" xmlns="" val="2150636527"/>
       </p:ext>
     </p:extLst>
   </p:cSld>
@@ -20508,7 +20368,7 @@
   <a:extraClrSchemeLst/>
   <a:extLst>
     <a:ext uri="{05A4C25C-085E-4340-85A3-A5531E510DB2}">
-      <thm15:themeFamily xmlns:thm15="http://schemas.microsoft.com/office/thememl/2012/main" name="Office Theme" id="{62F939B6-93AF-4DB8-9C6B-D6C7DFDC589F}" vid="{4A3C46E8-61CC-4603-A589-7422A47A8E4A}"/>
+      <thm15:themeFamily xmlns:thm15="http://schemas.microsoft.com/office/thememl/2012/main" xmlns="" name="Office Theme" id="{62F939B6-93AF-4DB8-9C6B-D6C7DFDC589F}" vid="{4A3C46E8-61CC-4603-A589-7422A47A8E4A}"/>
     </a:ext>
   </a:extLst>
 </a:theme>
@@ -20557,7 +20417,7 @@
     </a:clrScheme>
     <a:fontScheme name="Office">
       <a:majorFont>
-        <a:latin typeface="Calibri Light" panose="020F0302020204030204"/>
+        <a:latin typeface="Calibri Light"/>
         <a:ea typeface=""/>
         <a:cs typeface=""/>
         <a:font script="Jpan" typeface="ＭＳ Ｐゴシック"/>
@@ -20592,7 +20452,7 @@
         <a:font script="Geor" typeface="Sylfaen"/>
       </a:majorFont>
       <a:minorFont>
-        <a:latin typeface="Calibri" panose="020F0502020204030204"/>
+        <a:latin typeface="Calibri"/>
         <a:ea typeface=""/>
         <a:cs typeface=""/>
         <a:font script="Jpan" typeface="ＭＳ Ｐゴシック"/>
@@ -20769,7 +20629,7 @@
   <a:extraClrSchemeLst/>
   <a:extLst>
     <a:ext uri="{05A4C25C-085E-4340-85A3-A5531E510DB2}">
-      <thm15:themeFamily xmlns:thm15="http://schemas.microsoft.com/office/thememl/2012/main" name="Office Theme" id="{62F939B6-93AF-4DB8-9C6B-D6C7DFDC589F}" vid="{4A3C46E8-61CC-4603-A589-7422A47A8E4A}"/>
+      <thm15:themeFamily xmlns:thm15="http://schemas.microsoft.com/office/thememl/2012/main" xmlns="" name="Office Theme" id="{62F939B6-93AF-4DB8-9C6B-D6C7DFDC589F}" vid="{4A3C46E8-61CC-4603-A589-7422A47A8E4A}"/>
     </a:ext>
   </a:extLst>
 </a:theme>
